--- a/design.pptx
+++ b/design.pptx
@@ -8,28 +8,25 @@
     <p:sldId id="257" r:id="rId3"/>
     <p:sldId id="259" r:id="rId4"/>
     <p:sldId id="258" r:id="rId5"/>
-    <p:sldId id="260" r:id="rId6"/>
-    <p:sldId id="261" r:id="rId7"/>
-    <p:sldId id="262" r:id="rId8"/>
-    <p:sldId id="263" r:id="rId9"/>
+    <p:sldId id="266" r:id="rId6"/>
+    <p:sldId id="267" r:id="rId7"/>
+    <p:sldId id="268" r:id="rId8"/>
+    <p:sldId id="260" r:id="rId9"/>
+    <p:sldId id="261" r:id="rId10"/>
+    <p:sldId id="262" r:id="rId11"/>
+    <p:sldId id="263" r:id="rId12"/>
+    <p:sldId id="265" r:id="rId13"/>
   </p:sldIdLst>
   <p:sldSz cx="12192000" cy="6858000"/>
   <p:notesSz cx="6858000" cy="9144000"/>
   <p:embeddedFontLst>
     <p:embeddedFont>
-      <p:font typeface="Calibri" panose="020F0502020204030204" charset="0"/>
-      <p:regular r:id="rId13"/>
-      <p:bold r:id="rId14"/>
-      <p:italic r:id="rId15"/>
-      <p:boldItalic r:id="rId16"/>
+      <p:font typeface="Aharoni" panose="02010803020104030203" charset="0"/>
+      <p:bold r:id="rId17"/>
     </p:embeddedFont>
     <p:embeddedFont>
       <p:font typeface="方正隶变_GBK" panose="02000000000000000000" charset="-122"/>
-      <p:regular r:id="rId17"/>
-    </p:embeddedFont>
-    <p:embeddedFont>
-      <p:font typeface="Aharoni" panose="02010803020104030203" charset="0"/>
-      <p:bold r:id="rId18"/>
+      <p:regular r:id="rId18"/>
     </p:embeddedFont>
     <p:embeddedFont>
       <p:font typeface="Comic Sans MS" panose="030F0702030302020204" charset="0"/>
@@ -44,6 +41,18 @@
       <p:font typeface="Segoe Print" panose="02000600000000000000" charset="0"/>
       <p:regular r:id="rId22"/>
       <p:bold r:id="rId23"/>
+    </p:embeddedFont>
+    <p:embeddedFont>
+      <p:font typeface="Calibri" panose="020F0502020204030204" charset="0"/>
+      <p:regular r:id="rId24"/>
+      <p:bold r:id="rId25"/>
+      <p:italic r:id="rId26"/>
+      <p:boldItalic r:id="rId27"/>
+    </p:embeddedFont>
+    <p:embeddedFont>
+      <p:font typeface="Mangal" panose="02040503050203030202" charset="0"/>
+      <p:regular r:id="rId28"/>
+      <p:bold r:id="rId29"/>
     </p:embeddedFont>
   </p:embeddedFontLst>
   <p:defaultTextStyle>
@@ -3131,6 +3140,642 @@
 </p:sld>
 </file>
 
+<file path=ppt/slides/slide10.xml><?xml version="1.0" encoding="utf-8"?>
+<p:sld xmlns:a="http://schemas.openxmlformats.org/drawingml/2006/main" xmlns:r="http://schemas.openxmlformats.org/officeDocument/2006/relationships" xmlns:p="http://schemas.openxmlformats.org/presentationml/2006/main">
+  <p:cSld>
+    <p:spTree>
+      <p:nvGrpSpPr>
+        <p:cNvPr id="1" name=""/>
+        <p:cNvGrpSpPr/>
+        <p:nvPr/>
+      </p:nvGrpSpPr>
+      <p:grpSpPr/>
+      <p:sp>
+        <p:nvSpPr>
+          <p:cNvPr id="11" name="文本框 10"/>
+          <p:cNvSpPr txBox="1"/>
+          <p:nvPr/>
+        </p:nvSpPr>
+        <p:spPr>
+          <a:xfrm>
+            <a:off x="8890" y="6350"/>
+            <a:ext cx="6091555" cy="922020"/>
+          </a:xfrm>
+          <a:prstGeom prst="rect">
+            <a:avLst/>
+          </a:prstGeom>
+          <a:noFill/>
+        </p:spPr>
+        <p:txBody>
+          <a:bodyPr wrap="none" rtlCol="0">
+            <a:spAutoFit/>
+          </a:bodyPr>
+          <a:p>
+            <a:r>
+              <a:rPr lang="en-US" altLang="zh-CN" sz="5400">
+                <a:latin typeface="Comic Sans MS" panose="030F0702030302020204" charset="0"/>
+              </a:rPr>
+              <a:t>RequestShow Page</a:t>
+            </a:r>
+            <a:endParaRPr lang="en-US" altLang="zh-CN" sz="5400">
+              <a:latin typeface="Comic Sans MS" panose="030F0702030302020204" charset="0"/>
+            </a:endParaRPr>
+          </a:p>
+        </p:txBody>
+      </p:sp>
+      <p:sp>
+        <p:nvSpPr>
+          <p:cNvPr id="2" name="矩形 1"/>
+          <p:cNvSpPr/>
+          <p:nvPr/>
+        </p:nvSpPr>
+        <p:spPr>
+          <a:xfrm>
+            <a:off x="3618865" y="1192530"/>
+            <a:ext cx="8547100" cy="5626100"/>
+          </a:xfrm>
+          <a:prstGeom prst="rect">
+            <a:avLst/>
+          </a:prstGeom>
+          <a:solidFill>
+            <a:schemeClr val="bg1"/>
+          </a:solidFill>
+          <a:ln w="38100"/>
+        </p:spPr>
+        <p:style>
+          <a:lnRef idx="2">
+            <a:schemeClr val="accent1">
+              <a:shade val="50000"/>
+            </a:schemeClr>
+          </a:lnRef>
+          <a:fillRef idx="1">
+            <a:schemeClr val="accent1"/>
+          </a:fillRef>
+          <a:effectRef idx="0">
+            <a:schemeClr val="accent1"/>
+          </a:effectRef>
+          <a:fontRef idx="minor">
+            <a:schemeClr val="lt1"/>
+          </a:fontRef>
+        </p:style>
+        <p:txBody>
+          <a:bodyPr rtlCol="0" anchor="ctr"/>
+          <a:p>
+            <a:pPr algn="ctr"/>
+            <a:endParaRPr lang="zh-CN" altLang="en-US"/>
+          </a:p>
+        </p:txBody>
+      </p:sp>
+      <p:sp>
+        <p:nvSpPr>
+          <p:cNvPr id="3" name="矩形 2"/>
+          <p:cNvSpPr/>
+          <p:nvPr/>
+        </p:nvSpPr>
+        <p:spPr>
+          <a:xfrm>
+            <a:off x="3806825" y="2030730"/>
+            <a:ext cx="2590800" cy="4584700"/>
+          </a:xfrm>
+          <a:prstGeom prst="rect">
+            <a:avLst/>
+          </a:prstGeom>
+          <a:noFill/>
+          <a:ln w="31750"/>
+        </p:spPr>
+        <p:style>
+          <a:lnRef idx="2">
+            <a:schemeClr val="accent1">
+              <a:shade val="50000"/>
+            </a:schemeClr>
+          </a:lnRef>
+          <a:fillRef idx="1">
+            <a:schemeClr val="accent1"/>
+          </a:fillRef>
+          <a:effectRef idx="0">
+            <a:schemeClr val="accent1"/>
+          </a:effectRef>
+          <a:fontRef idx="minor">
+            <a:schemeClr val="lt1"/>
+          </a:fontRef>
+        </p:style>
+        <p:txBody>
+          <a:bodyPr rtlCol="0" anchor="ctr"/>
+          <a:p>
+            <a:pPr algn="ctr"/>
+            <a:endParaRPr lang="zh-CN" altLang="en-US"/>
+          </a:p>
+        </p:txBody>
+      </p:sp>
+      <p:sp>
+        <p:nvSpPr>
+          <p:cNvPr id="4" name="矩形 3"/>
+          <p:cNvSpPr/>
+          <p:nvPr/>
+        </p:nvSpPr>
+        <p:spPr>
+          <a:xfrm>
+            <a:off x="6597650" y="2030730"/>
+            <a:ext cx="5384165" cy="4584700"/>
+          </a:xfrm>
+          <a:prstGeom prst="rect">
+            <a:avLst/>
+          </a:prstGeom>
+          <a:noFill/>
+          <a:ln w="31750"/>
+        </p:spPr>
+        <p:style>
+          <a:lnRef idx="2">
+            <a:schemeClr val="accent1">
+              <a:shade val="50000"/>
+            </a:schemeClr>
+          </a:lnRef>
+          <a:fillRef idx="1">
+            <a:schemeClr val="accent1"/>
+          </a:fillRef>
+          <a:effectRef idx="0">
+            <a:schemeClr val="accent1"/>
+          </a:effectRef>
+          <a:fontRef idx="minor">
+            <a:schemeClr val="lt1"/>
+          </a:fontRef>
+        </p:style>
+        <p:txBody>
+          <a:bodyPr rtlCol="0" anchor="ctr"/>
+          <a:p>
+            <a:pPr algn="ctr"/>
+            <a:endParaRPr lang="zh-CN" altLang="en-US"/>
+          </a:p>
+        </p:txBody>
+      </p:sp>
+      <p:sp>
+        <p:nvSpPr>
+          <p:cNvPr id="7" name="矩形 6"/>
+          <p:cNvSpPr/>
+          <p:nvPr/>
+        </p:nvSpPr>
+        <p:spPr>
+          <a:xfrm flipV="1">
+            <a:off x="3620135" y="1191895"/>
+            <a:ext cx="8545830" cy="674370"/>
+          </a:xfrm>
+          <a:prstGeom prst="rect">
+            <a:avLst/>
+          </a:prstGeom>
+          <a:noFill/>
+          <a:ln w="31750"/>
+        </p:spPr>
+        <p:style>
+          <a:lnRef idx="2">
+            <a:schemeClr val="accent1">
+              <a:shade val="50000"/>
+            </a:schemeClr>
+          </a:lnRef>
+          <a:fillRef idx="1">
+            <a:schemeClr val="accent1"/>
+          </a:fillRef>
+          <a:effectRef idx="0">
+            <a:schemeClr val="accent1"/>
+          </a:effectRef>
+          <a:fontRef idx="minor">
+            <a:schemeClr val="lt1"/>
+          </a:fontRef>
+        </p:style>
+        <p:txBody>
+          <a:bodyPr rtlCol="0" anchor="ctr"/>
+          <a:p>
+            <a:pPr algn="ctr"/>
+            <a:endParaRPr lang="zh-CN" altLang="en-US"/>
+          </a:p>
+        </p:txBody>
+      </p:sp>
+      <p:sp>
+        <p:nvSpPr>
+          <p:cNvPr id="21" name="文本框 20"/>
+          <p:cNvSpPr txBox="1"/>
+          <p:nvPr/>
+        </p:nvSpPr>
+        <p:spPr>
+          <a:xfrm>
+            <a:off x="4098925" y="2348230"/>
+            <a:ext cx="1489075" cy="368300"/>
+          </a:xfrm>
+          <a:prstGeom prst="rect">
+            <a:avLst/>
+          </a:prstGeom>
+          <a:noFill/>
+        </p:spPr>
+        <p:txBody>
+          <a:bodyPr wrap="none" rtlCol="0">
+            <a:spAutoFit/>
+          </a:bodyPr>
+          <a:p>
+            <a:r>
+              <a:rPr lang="en-US" altLang="zh-CN" b="1"/>
+              <a:t>Interface Tree</a:t>
+            </a:r>
+            <a:endParaRPr lang="en-US" altLang="zh-CN" b="1"/>
+          </a:p>
+        </p:txBody>
+      </p:sp>
+      <p:sp>
+        <p:nvSpPr>
+          <p:cNvPr id="6" name="文本框 5"/>
+          <p:cNvSpPr txBox="1"/>
+          <p:nvPr/>
+        </p:nvSpPr>
+        <p:spPr>
+          <a:xfrm>
+            <a:off x="8470265" y="3244850"/>
+            <a:ext cx="1489710" cy="368300"/>
+          </a:xfrm>
+          <a:prstGeom prst="rect">
+            <a:avLst/>
+          </a:prstGeom>
+          <a:noFill/>
+        </p:spPr>
+        <p:txBody>
+          <a:bodyPr wrap="none" rtlCol="0">
+            <a:spAutoFit/>
+          </a:bodyPr>
+          <a:p>
+            <a:r>
+              <a:rPr lang="en-US" altLang="zh-CN" b="1"/>
+              <a:t>Params Detail</a:t>
+            </a:r>
+            <a:endParaRPr lang="en-US" altLang="zh-CN" b="1"/>
+          </a:p>
+        </p:txBody>
+      </p:sp>
+    </p:spTree>
+  </p:cSld>
+  <p:clrMapOvr>
+    <a:masterClrMapping/>
+  </p:clrMapOvr>
+</p:sld>
+</file>
+
+<file path=ppt/slides/slide11.xml><?xml version="1.0" encoding="utf-8"?>
+<p:sld xmlns:a="http://schemas.openxmlformats.org/drawingml/2006/main" xmlns:r="http://schemas.openxmlformats.org/officeDocument/2006/relationships" xmlns:p="http://schemas.openxmlformats.org/presentationml/2006/main">
+  <p:cSld>
+    <p:spTree>
+      <p:nvGrpSpPr>
+        <p:cNvPr id="1" name=""/>
+        <p:cNvGrpSpPr/>
+        <p:nvPr/>
+      </p:nvGrpSpPr>
+      <p:grpSpPr/>
+      <p:grpSp>
+        <p:nvGrpSpPr>
+          <p:cNvPr id="16" name="组合 15"/>
+          <p:cNvGrpSpPr/>
+          <p:nvPr/>
+        </p:nvGrpSpPr>
+        <p:grpSpPr>
+          <a:xfrm>
+            <a:off x="3081655" y="889000"/>
+            <a:ext cx="8515350" cy="4343400"/>
+            <a:chOff x="2830" y="2969"/>
+            <a:chExt cx="13410" cy="6840"/>
+          </a:xfrm>
+        </p:grpSpPr>
+        <p:sp>
+          <p:nvSpPr>
+            <p:cNvPr id="4" name="矩形 3"/>
+            <p:cNvSpPr/>
+            <p:nvPr/>
+          </p:nvSpPr>
+          <p:spPr>
+            <a:xfrm>
+              <a:off x="2830" y="3549"/>
+              <a:ext cx="13411" cy="4348"/>
+            </a:xfrm>
+            <a:prstGeom prst="rect">
+              <a:avLst/>
+            </a:prstGeom>
+            <a:noFill/>
+            <a:ln w="31750"/>
+          </p:spPr>
+          <p:style>
+            <a:lnRef idx="2">
+              <a:schemeClr val="accent1">
+                <a:shade val="50000"/>
+              </a:schemeClr>
+            </a:lnRef>
+            <a:fillRef idx="1">
+              <a:schemeClr val="accent1"/>
+            </a:fillRef>
+            <a:effectRef idx="0">
+              <a:schemeClr val="accent1"/>
+            </a:effectRef>
+            <a:fontRef idx="minor">
+              <a:schemeClr val="lt1"/>
+            </a:fontRef>
+          </p:style>
+          <p:txBody>
+            <a:bodyPr rtlCol="0" anchor="ctr"/>
+            <a:p>
+              <a:pPr algn="ctr"/>
+              <a:endParaRPr lang="zh-CN" altLang="en-US"/>
+            </a:p>
+          </p:txBody>
+        </p:sp>
+        <p:sp>
+          <p:nvSpPr>
+            <p:cNvPr id="7" name="文本框 6"/>
+            <p:cNvSpPr txBox="1"/>
+            <p:nvPr/>
+          </p:nvSpPr>
+          <p:spPr>
+            <a:xfrm>
+              <a:off x="3129" y="3937"/>
+              <a:ext cx="1886" cy="919"/>
+            </a:xfrm>
+            <a:prstGeom prst="rect">
+              <a:avLst/>
+            </a:prstGeom>
+            <a:noFill/>
+          </p:spPr>
+          <p:txBody>
+            <a:bodyPr wrap="none" rtlCol="0">
+              <a:spAutoFit/>
+            </a:bodyPr>
+            <a:p>
+              <a:r>
+                <a:rPr lang="en-US" altLang="zh-CN" sz="3200" b="1"/>
+                <a:t>name</a:t>
+              </a:r>
+              <a:r>
+                <a:rPr lang="en-US" altLang="zh-CN"/>
+                <a:t>:</a:t>
+              </a:r>
+              <a:endParaRPr lang="en-US" altLang="zh-CN"/>
+            </a:p>
+          </p:txBody>
+        </p:sp>
+        <p:sp>
+          <p:nvSpPr>
+            <p:cNvPr id="8" name="文本框 7"/>
+            <p:cNvSpPr txBox="1"/>
+            <p:nvPr/>
+          </p:nvSpPr>
+          <p:spPr>
+            <a:xfrm>
+              <a:off x="3129" y="5264"/>
+              <a:ext cx="2474" cy="919"/>
+            </a:xfrm>
+            <a:prstGeom prst="rect">
+              <a:avLst/>
+            </a:prstGeom>
+            <a:noFill/>
+          </p:spPr>
+          <p:txBody>
+            <a:bodyPr wrap="none" rtlCol="0">
+              <a:spAutoFit/>
+            </a:bodyPr>
+            <a:p>
+              <a:r>
+                <a:rPr lang="en-US" altLang="zh-CN" sz="3200" b="1"/>
+                <a:t>method</a:t>
+              </a:r>
+              <a:r>
+                <a:rPr lang="en-US" altLang="zh-CN"/>
+                <a:t>:</a:t>
+              </a:r>
+              <a:endParaRPr lang="en-US" altLang="zh-CN"/>
+            </a:p>
+          </p:txBody>
+        </p:sp>
+        <p:sp>
+          <p:nvSpPr>
+            <p:cNvPr id="10" name="文本框 9"/>
+            <p:cNvSpPr txBox="1"/>
+            <p:nvPr/>
+          </p:nvSpPr>
+          <p:spPr>
+            <a:xfrm>
+              <a:off x="3129" y="6608"/>
+              <a:ext cx="1112" cy="919"/>
+            </a:xfrm>
+            <a:prstGeom prst="rect">
+              <a:avLst/>
+            </a:prstGeom>
+            <a:noFill/>
+          </p:spPr>
+          <p:txBody>
+            <a:bodyPr wrap="none" rtlCol="0">
+              <a:spAutoFit/>
+            </a:bodyPr>
+            <a:p>
+              <a:r>
+                <a:rPr lang="en-US" altLang="zh-CN" sz="3200" b="1"/>
+                <a:t>url</a:t>
+              </a:r>
+              <a:r>
+                <a:rPr lang="en-US" altLang="zh-CN"/>
+                <a:t>:</a:t>
+              </a:r>
+              <a:endParaRPr lang="en-US" altLang="zh-CN"/>
+            </a:p>
+          </p:txBody>
+        </p:sp>
+        <p:cxnSp>
+          <p:nvCxnSpPr>
+            <p:cNvPr id="11" name="直接连接符 10"/>
+            <p:cNvCxnSpPr/>
+            <p:nvPr/>
+          </p:nvCxnSpPr>
+          <p:spPr>
+            <a:xfrm flipH="1">
+              <a:off x="5718" y="2969"/>
+              <a:ext cx="22" cy="6840"/>
+            </a:xfrm>
+            <a:prstGeom prst="line">
+              <a:avLst/>
+            </a:prstGeom>
+          </p:spPr>
+          <p:style>
+            <a:lnRef idx="1">
+              <a:schemeClr val="accent1"/>
+            </a:lnRef>
+            <a:fillRef idx="0">
+              <a:schemeClr val="accent1"/>
+            </a:fillRef>
+            <a:effectRef idx="0">
+              <a:schemeClr val="accent1"/>
+            </a:effectRef>
+            <a:fontRef idx="minor">
+              <a:schemeClr val="tx1"/>
+            </a:fontRef>
+          </p:style>
+        </p:cxnSp>
+        <p:sp>
+          <p:nvSpPr>
+            <p:cNvPr id="12" name="矩形 11"/>
+            <p:cNvSpPr/>
+            <p:nvPr/>
+          </p:nvSpPr>
+          <p:spPr>
+            <a:xfrm>
+              <a:off x="12645" y="4227"/>
+              <a:ext cx="3211" cy="2991"/>
+            </a:xfrm>
+            <a:prstGeom prst="rect">
+              <a:avLst/>
+            </a:prstGeom>
+            <a:noFill/>
+          </p:spPr>
+          <p:style>
+            <a:lnRef idx="2">
+              <a:schemeClr val="accent1">
+                <a:shade val="50000"/>
+              </a:schemeClr>
+            </a:lnRef>
+            <a:fillRef idx="1">
+              <a:schemeClr val="accent1"/>
+            </a:fillRef>
+            <a:effectRef idx="0">
+              <a:schemeClr val="accent1"/>
+            </a:effectRef>
+            <a:fontRef idx="minor">
+              <a:schemeClr val="lt1"/>
+            </a:fontRef>
+          </p:style>
+          <p:txBody>
+            <a:bodyPr rtlCol="0" anchor="ctr"/>
+            <a:p>
+              <a:pPr algn="ctr"/>
+              <a:endParaRPr lang="zh-CN" altLang="en-US"/>
+            </a:p>
+          </p:txBody>
+        </p:sp>
+        <p:sp>
+          <p:nvSpPr>
+            <p:cNvPr id="13" name="文本框 12"/>
+            <p:cNvSpPr txBox="1"/>
+            <p:nvPr/>
+          </p:nvSpPr>
+          <p:spPr>
+            <a:xfrm>
+              <a:off x="13022" y="4998"/>
+              <a:ext cx="2458" cy="1452"/>
+            </a:xfrm>
+            <a:prstGeom prst="rect">
+              <a:avLst/>
+            </a:prstGeom>
+            <a:noFill/>
+          </p:spPr>
+          <p:txBody>
+            <a:bodyPr wrap="none" rtlCol="0">
+              <a:spAutoFit/>
+            </a:bodyPr>
+            <a:p>
+              <a:r>
+                <a:rPr lang="zh-CN" altLang="zh-CN" sz="5400" b="1"/>
+                <a:t>预览</a:t>
+              </a:r>
+              <a:endParaRPr lang="zh-CN" altLang="zh-CN" sz="5400" b="1"/>
+            </a:p>
+          </p:txBody>
+        </p:sp>
+        <p:cxnSp>
+          <p:nvCxnSpPr>
+            <p:cNvPr id="14" name="直接连接符 13"/>
+            <p:cNvCxnSpPr/>
+            <p:nvPr/>
+          </p:nvCxnSpPr>
+          <p:spPr>
+            <a:xfrm flipH="1">
+              <a:off x="12142" y="2969"/>
+              <a:ext cx="22" cy="6840"/>
+            </a:xfrm>
+            <a:prstGeom prst="line">
+              <a:avLst/>
+            </a:prstGeom>
+          </p:spPr>
+          <p:style>
+            <a:lnRef idx="1">
+              <a:schemeClr val="accent1"/>
+            </a:lnRef>
+            <a:fillRef idx="0">
+              <a:schemeClr val="accent1"/>
+            </a:fillRef>
+            <a:effectRef idx="0">
+              <a:schemeClr val="accent1"/>
+            </a:effectRef>
+            <a:fontRef idx="minor">
+              <a:schemeClr val="tx1"/>
+            </a:fontRef>
+          </p:style>
+        </p:cxnSp>
+      </p:grpSp>
+      <p:pic>
+        <p:nvPicPr>
+          <p:cNvPr id="17" name="图片 16"/>
+          <p:cNvPicPr>
+            <a:picLocks noChangeAspect="1"/>
+          </p:cNvPicPr>
+          <p:nvPr/>
+        </p:nvPicPr>
+        <p:blipFill>
+          <a:blip r:embed="rId1"/>
+          <a:stretch>
+            <a:fillRect/>
+          </a:stretch>
+        </p:blipFill>
+        <p:spPr>
+          <a:xfrm>
+            <a:off x="273050" y="5232400"/>
+            <a:ext cx="7562215" cy="1543050"/>
+          </a:xfrm>
+          <a:prstGeom prst="rect">
+            <a:avLst/>
+          </a:prstGeom>
+        </p:spPr>
+      </p:pic>
+      <p:sp>
+        <p:nvSpPr>
+          <p:cNvPr id="18" name="文本框 17"/>
+          <p:cNvSpPr txBox="1"/>
+          <p:nvPr/>
+        </p:nvSpPr>
+        <p:spPr>
+          <a:xfrm>
+            <a:off x="8890" y="6350"/>
+            <a:ext cx="5503545" cy="922020"/>
+          </a:xfrm>
+          <a:prstGeom prst="rect">
+            <a:avLst/>
+          </a:prstGeom>
+          <a:noFill/>
+        </p:spPr>
+        <p:txBody>
+          <a:bodyPr wrap="none" rtlCol="0">
+            <a:spAutoFit/>
+          </a:bodyPr>
+          <a:p>
+            <a:pPr algn="l"/>
+            <a:r>
+              <a:rPr lang="en-US" altLang="zh-CN" sz="5400">
+                <a:latin typeface="Comic Sans MS" panose="030F0702030302020204" charset="0"/>
+                <a:sym typeface="+mn-ea"/>
+              </a:rPr>
+              <a:t>Interface Detail</a:t>
+            </a:r>
+            <a:endParaRPr lang="en-US" altLang="zh-CN" sz="5400">
+              <a:latin typeface="Comic Sans MS" panose="030F0702030302020204" charset="0"/>
+            </a:endParaRPr>
+          </a:p>
+        </p:txBody>
+      </p:sp>
+    </p:spTree>
+  </p:cSld>
+  <p:clrMapOvr>
+    <a:masterClrMapping/>
+  </p:clrMapOvr>
+</p:sld>
+</file>
+
 <file path=ppt/slides/slide2.xml><?xml version="1.0" encoding="utf-8"?>
 <p:sld xmlns:a="http://schemas.openxmlformats.org/drawingml/2006/main" xmlns:r="http://schemas.openxmlformats.org/officeDocument/2006/relationships" xmlns:p="http://schemas.openxmlformats.org/presentationml/2006/main">
   <p:cSld>
@@ -3292,38 +3937,215 @@
         <p:nvPr/>
       </p:nvGrpSpPr>
       <p:grpSpPr/>
+      <p:sp>
+        <p:nvSpPr>
+          <p:cNvPr id="8" name="圆角矩形 7"/>
+          <p:cNvSpPr/>
+          <p:nvPr/>
+        </p:nvSpPr>
+        <p:spPr>
+          <a:xfrm>
+            <a:off x="4986655" y="5012690"/>
+            <a:ext cx="1536065" cy="666750"/>
+          </a:xfrm>
+          <a:prstGeom prst="roundRect">
+            <a:avLst/>
+          </a:prstGeom>
+          <a:noFill/>
+          <a:ln w="41275">
+            <a:solidFill>
+              <a:schemeClr val="tx1"/>
+            </a:solidFill>
+          </a:ln>
+        </p:spPr>
+        <p:style>
+          <a:lnRef idx="2">
+            <a:schemeClr val="accent1">
+              <a:shade val="50000"/>
+            </a:schemeClr>
+          </a:lnRef>
+          <a:fillRef idx="1">
+            <a:schemeClr val="accent1"/>
+          </a:fillRef>
+          <a:effectRef idx="0">
+            <a:schemeClr val="accent1"/>
+          </a:effectRef>
+          <a:fontRef idx="minor">
+            <a:schemeClr val="lt1"/>
+          </a:fontRef>
+        </p:style>
+        <p:txBody>
+          <a:bodyPr rtlCol="0" anchor="ctr"/>
+          <a:p>
+            <a:pPr algn="ctr"/>
+            <a:endParaRPr lang="zh-CN" altLang="en-US"/>
+          </a:p>
+        </p:txBody>
+      </p:sp>
+      <p:sp>
+        <p:nvSpPr>
+          <p:cNvPr id="5" name="文本框 4"/>
+          <p:cNvSpPr txBox="1"/>
+          <p:nvPr/>
+        </p:nvSpPr>
+        <p:spPr>
+          <a:xfrm>
+            <a:off x="2495550" y="2409825"/>
+            <a:ext cx="6680835" cy="2214880"/>
+          </a:xfrm>
+          <a:prstGeom prst="rect">
+            <a:avLst/>
+          </a:prstGeom>
+          <a:noFill/>
+        </p:spPr>
+        <p:txBody>
+          <a:bodyPr wrap="none" rtlCol="0">
+            <a:spAutoFit/>
+          </a:bodyPr>
+          <a:p>
+            <a:r>
+              <a:rPr lang="en-US" altLang="zh-CN" sz="13800">
+                <a:solidFill>
+                  <a:srgbClr val="D12924"/>
+                </a:solidFill>
+                <a:uFillTx/>
+                <a:latin typeface="Segoe Print" panose="02000600000000000000" charset="0"/>
+                <a:ea typeface="方正隶变_GBK" panose="02000000000000000000" charset="-122"/>
+              </a:rPr>
+              <a:t>Hi </a:t>
+            </a:r>
+            <a:r>
+              <a:rPr lang="en-US" altLang="zh-CN" sz="13800">
+                <a:solidFill>
+                  <a:schemeClr val="tx1"/>
+                </a:solidFill>
+                <a:uFillTx/>
+                <a:latin typeface="Segoe Print" panose="02000600000000000000" charset="0"/>
+                <a:ea typeface="方正隶变_GBK" panose="02000000000000000000" charset="-122"/>
+              </a:rPr>
+              <a:t>RAP</a:t>
+            </a:r>
+            <a:endParaRPr lang="en-US" altLang="zh-CN" sz="13800">
+              <a:solidFill>
+                <a:schemeClr val="tx1"/>
+              </a:solidFill>
+              <a:uFillTx/>
+              <a:latin typeface="Segoe Print" panose="02000600000000000000" charset="0"/>
+              <a:ea typeface="方正隶变_GBK" panose="02000000000000000000" charset="-122"/>
+            </a:endParaRPr>
+          </a:p>
+        </p:txBody>
+      </p:sp>
+      <p:sp>
+        <p:nvSpPr>
+          <p:cNvPr id="6" name="文本框 5"/>
+          <p:cNvSpPr txBox="1"/>
+          <p:nvPr/>
+        </p:nvSpPr>
+        <p:spPr>
+          <a:xfrm>
+            <a:off x="5133340" y="5085715"/>
+            <a:ext cx="1268730" cy="521970"/>
+          </a:xfrm>
+          <a:prstGeom prst="rect">
+            <a:avLst/>
+          </a:prstGeom>
+          <a:noFill/>
+        </p:spPr>
+        <p:txBody>
+          <a:bodyPr wrap="square" rtlCol="0">
+            <a:spAutoFit/>
+          </a:bodyPr>
+          <a:p>
+            <a:r>
+              <a:rPr lang="en-US" altLang="zh-CN" sz="2800" b="1">
+                <a:solidFill>
+                  <a:schemeClr val="tx1"/>
+                </a:solidFill>
+                <a:uFillTx/>
+                <a:latin typeface="Segoe Print" panose="02000600000000000000" charset="0"/>
+                <a:ea typeface="方正隶变_GBK" panose="02000000000000000000" charset="-122"/>
+              </a:rPr>
+              <a:t>Enter</a:t>
+            </a:r>
+            <a:endParaRPr lang="en-US" altLang="zh-CN" sz="2800" b="1">
+              <a:solidFill>
+                <a:schemeClr val="tx1"/>
+              </a:solidFill>
+              <a:uFillTx/>
+              <a:latin typeface="Segoe Print" panose="02000600000000000000" charset="0"/>
+              <a:ea typeface="方正隶变_GBK" panose="02000000000000000000" charset="-122"/>
+            </a:endParaRPr>
+          </a:p>
+        </p:txBody>
+      </p:sp>
+      <p:sp>
+        <p:nvSpPr>
+          <p:cNvPr id="11" name="文本框 10"/>
+          <p:cNvSpPr txBox="1"/>
+          <p:nvPr/>
+        </p:nvSpPr>
+        <p:spPr>
+          <a:xfrm>
+            <a:off x="377190" y="400050"/>
+            <a:ext cx="4734560" cy="922020"/>
+          </a:xfrm>
+          <a:prstGeom prst="rect">
+            <a:avLst/>
+          </a:prstGeom>
+          <a:noFill/>
+        </p:spPr>
+        <p:txBody>
+          <a:bodyPr wrap="none" rtlCol="0">
+            <a:spAutoFit/>
+          </a:bodyPr>
+          <a:p>
+            <a:r>
+              <a:rPr lang="en-US" altLang="zh-CN" sz="5400">
+                <a:latin typeface="Comic Sans MS" panose="030F0702030302020204" charset="0"/>
+              </a:rPr>
+              <a:t>Welcome Page</a:t>
+            </a:r>
+            <a:endParaRPr lang="en-US" altLang="zh-CN" sz="5400">
+              <a:latin typeface="Comic Sans MS" panose="030F0702030302020204" charset="0"/>
+            </a:endParaRPr>
+          </a:p>
+        </p:txBody>
+      </p:sp>
       <p:grpSp>
         <p:nvGrpSpPr>
-          <p:cNvPr id="10" name="组合 9"/>
+          <p:cNvPr id="2" name="组合 1"/>
           <p:cNvGrpSpPr/>
           <p:nvPr/>
         </p:nvGrpSpPr>
         <p:grpSpPr>
           <a:xfrm>
-            <a:off x="4565650" y="2525395"/>
-            <a:ext cx="6680200" cy="3269615"/>
-            <a:chOff x="4340" y="3097"/>
-            <a:chExt cx="10520" cy="5149"/>
+            <a:off x="5560060" y="122555"/>
+            <a:ext cx="7865110" cy="1612900"/>
+            <a:chOff x="2675" y="3522"/>
+            <a:chExt cx="12386" cy="2540"/>
           </a:xfrm>
         </p:grpSpPr>
         <p:sp>
           <p:nvSpPr>
-            <p:cNvPr id="8" name="圆角矩形 7"/>
+            <p:cNvPr id="3" name="圆角矩形 2"/>
             <p:cNvSpPr/>
             <p:nvPr/>
           </p:nvSpPr>
           <p:spPr>
             <a:xfrm>
-              <a:off x="8263" y="7196"/>
-              <a:ext cx="2419" cy="1050"/>
+              <a:off x="2675" y="3522"/>
+              <a:ext cx="6314" cy="2540"/>
             </a:xfrm>
             <a:prstGeom prst="roundRect">
               <a:avLst/>
             </a:prstGeom>
-            <a:noFill/>
-            <a:ln w="41275">
+            <a:solidFill>
+              <a:srgbClr val="D12924"/>
+            </a:solidFill>
+            <a:ln w="66675">
               <a:solidFill>
-                <a:schemeClr val="tx1"/>
+                <a:srgbClr val="D12924"/>
               </a:solidFill>
             </a:ln>
           </p:spPr>
@@ -3353,14 +4175,59 @@
         </p:sp>
         <p:sp>
           <p:nvSpPr>
-            <p:cNvPr id="5" name="文本框 4"/>
+            <p:cNvPr id="7" name="圆角矩形 6"/>
+            <p:cNvSpPr/>
+            <p:nvPr/>
+          </p:nvSpPr>
+          <p:spPr>
+            <a:xfrm>
+              <a:off x="7925" y="3522"/>
+              <a:ext cx="7135" cy="2540"/>
+            </a:xfrm>
+            <a:prstGeom prst="roundRect">
+              <a:avLst/>
+            </a:prstGeom>
+            <a:noFill/>
+            <a:ln w="66675">
+              <a:solidFill>
+                <a:srgbClr val="D12924"/>
+              </a:solidFill>
+            </a:ln>
+          </p:spPr>
+          <p:style>
+            <a:lnRef idx="2">
+              <a:schemeClr val="accent1">
+                <a:shade val="50000"/>
+              </a:schemeClr>
+            </a:lnRef>
+            <a:fillRef idx="1">
+              <a:schemeClr val="accent1"/>
+            </a:fillRef>
+            <a:effectRef idx="0">
+              <a:schemeClr val="accent1"/>
+            </a:effectRef>
+            <a:fontRef idx="minor">
+              <a:schemeClr val="lt1"/>
+            </a:fontRef>
+          </p:style>
+          <p:txBody>
+            <a:bodyPr rtlCol="0" anchor="ctr"/>
+            <a:p>
+              <a:pPr algn="ctr"/>
+              <a:endParaRPr lang="zh-CN" altLang="en-US"/>
+            </a:p>
+          </p:txBody>
+        </p:sp>
+        <p:sp>
+          <p:nvSpPr>
+            <p:cNvPr id="4" name="文本框 3"/>
             <p:cNvSpPr txBox="1"/>
             <p:nvPr/>
           </p:nvSpPr>
           <p:spPr>
             <a:xfrm>
-              <a:off x="4340" y="3097"/>
-              <a:ext cx="10521" cy="3488"/>
+              <a:off x="2704" y="3751"/>
+              <a:ext cx="6255" cy="2082"/>
             </a:xfrm>
             <a:prstGeom prst="rect">
               <a:avLst/>
@@ -3373,22 +4240,22 @@
             </a:bodyPr>
             <a:p>
               <a:r>
-                <a:rPr lang="en-US" altLang="zh-CN" sz="13800">
+                <a:rPr lang="en-US" altLang="zh-CN" sz="8000" b="1">
                   <a:solidFill>
-                    <a:schemeClr val="tx1"/>
+                    <a:schemeClr val="bg1"/>
                   </a:solidFill>
                   <a:uFillTx/>
-                  <a:latin typeface="Segoe Print" panose="02000600000000000000" charset="0"/>
+                  <a:latin typeface="Mangal" panose="02040503050203030202" charset="0"/>
                   <a:ea typeface="方正隶变_GBK" panose="02000000000000000000" charset="-122"/>
                 </a:rPr>
-                <a:t>Hi RAP</a:t>
+                <a:t>Heioray</a:t>
               </a:r>
-              <a:endParaRPr lang="en-US" altLang="zh-CN" sz="13800">
+              <a:endParaRPr lang="en-US" altLang="zh-CN" sz="8000" b="1">
                 <a:solidFill>
-                  <a:schemeClr val="tx1"/>
+                  <a:schemeClr val="bg1"/>
                 </a:solidFill>
                 <a:uFillTx/>
-                <a:latin typeface="Segoe Print" panose="02000600000000000000" charset="0"/>
+                <a:latin typeface="Mangal" panose="02040503050203030202" charset="0"/>
                 <a:ea typeface="方正隶变_GBK" panose="02000000000000000000" charset="-122"/>
               </a:endParaRPr>
             </a:p>
@@ -3396,14 +4263,14 @@
         </p:sp>
         <p:sp>
           <p:nvSpPr>
-            <p:cNvPr id="6" name="文本框 5"/>
+            <p:cNvPr id="9" name="文本框 8"/>
             <p:cNvSpPr txBox="1"/>
             <p:nvPr/>
           </p:nvSpPr>
           <p:spPr>
             <a:xfrm>
-              <a:off x="8494" y="7311"/>
-              <a:ext cx="1998" cy="822"/>
+              <a:off x="8989" y="3751"/>
+              <a:ext cx="6073" cy="2082"/>
             </a:xfrm>
             <a:prstGeom prst="rect">
               <a:avLst/>
@@ -3411,66 +4278,33 @@
             <a:noFill/>
           </p:spPr>
           <p:txBody>
-            <a:bodyPr wrap="square" rtlCol="0">
+            <a:bodyPr wrap="none" rtlCol="0">
               <a:spAutoFit/>
             </a:bodyPr>
             <a:p>
               <a:r>
-                <a:rPr lang="en-US" altLang="zh-CN" sz="2800" b="1">
+                <a:rPr lang="en-US" altLang="zh-CN" sz="8000" b="1">
                   <a:solidFill>
-                    <a:schemeClr val="tx1"/>
+                    <a:srgbClr val="D12924"/>
                   </a:solidFill>
                   <a:uFillTx/>
-                  <a:latin typeface="Segoe Print" panose="02000600000000000000" charset="0"/>
+                  <a:latin typeface="Mangal" panose="02040503050203030202" charset="0"/>
                   <a:ea typeface="方正隶变_GBK" panose="02000000000000000000" charset="-122"/>
                 </a:rPr>
-                <a:t>Enter</a:t>
+                <a:t>Studios</a:t>
               </a:r>
-              <a:endParaRPr lang="en-US" altLang="zh-CN" sz="2800" b="1">
+              <a:endParaRPr lang="en-US" altLang="zh-CN" sz="8000" b="1">
                 <a:solidFill>
-                  <a:schemeClr val="tx1"/>
+                  <a:srgbClr val="D12924"/>
                 </a:solidFill>
                 <a:uFillTx/>
-                <a:latin typeface="Segoe Print" panose="02000600000000000000" charset="0"/>
+                <a:latin typeface="Mangal" panose="02040503050203030202" charset="0"/>
                 <a:ea typeface="方正隶变_GBK" panose="02000000000000000000" charset="-122"/>
               </a:endParaRPr>
             </a:p>
           </p:txBody>
         </p:sp>
       </p:grpSp>
-      <p:sp>
-        <p:nvSpPr>
-          <p:cNvPr id="11" name="文本框 10"/>
-          <p:cNvSpPr txBox="1"/>
-          <p:nvPr/>
-        </p:nvSpPr>
-        <p:spPr>
-          <a:xfrm>
-            <a:off x="377190" y="400050"/>
-            <a:ext cx="4734560" cy="922020"/>
-          </a:xfrm>
-          <a:prstGeom prst="rect">
-            <a:avLst/>
-          </a:prstGeom>
-          <a:noFill/>
-        </p:spPr>
-        <p:txBody>
-          <a:bodyPr wrap="none" rtlCol="0">
-            <a:spAutoFit/>
-          </a:bodyPr>
-          <a:p>
-            <a:r>
-              <a:rPr lang="en-US" altLang="zh-CN" sz="5400">
-                <a:latin typeface="Comic Sans MS" panose="030F0702030302020204" charset="0"/>
-              </a:rPr>
-              <a:t>Welcome Page</a:t>
-            </a:r>
-            <a:endParaRPr lang="en-US" altLang="zh-CN" sz="5400">
-              <a:latin typeface="Comic Sans MS" panose="030F0702030302020204" charset="0"/>
-            </a:endParaRPr>
-          </a:p>
-        </p:txBody>
-      </p:sp>
     </p:spTree>
   </p:cSld>
   <p:clrMapOvr>
@@ -3480,6 +4314,509 @@
 </file>
 
 <file path=ppt/slides/slide4.xml><?xml version="1.0" encoding="utf-8"?>
+<p:sld xmlns:a="http://schemas.openxmlformats.org/drawingml/2006/main" xmlns:r="http://schemas.openxmlformats.org/officeDocument/2006/relationships" xmlns:p="http://schemas.openxmlformats.org/presentationml/2006/main">
+  <p:cSld>
+    <p:spTree>
+      <p:nvGrpSpPr>
+        <p:cNvPr id="1" name=""/>
+        <p:cNvGrpSpPr/>
+        <p:nvPr/>
+      </p:nvGrpSpPr>
+      <p:grpSpPr/>
+      <p:pic>
+        <p:nvPicPr>
+          <p:cNvPr id="3" name="图片 2"/>
+          <p:cNvPicPr>
+            <a:picLocks noChangeAspect="1"/>
+          </p:cNvPicPr>
+          <p:nvPr/>
+        </p:nvPicPr>
+        <p:blipFill>
+          <a:blip r:embed="rId1"/>
+          <a:stretch>
+            <a:fillRect/>
+          </a:stretch>
+        </p:blipFill>
+        <p:spPr>
+          <a:xfrm>
+            <a:off x="-657860" y="1148715"/>
+            <a:ext cx="13190220" cy="4951730"/>
+          </a:xfrm>
+          <a:prstGeom prst="rect">
+            <a:avLst/>
+          </a:prstGeom>
+        </p:spPr>
+      </p:pic>
+      <p:sp>
+        <p:nvSpPr>
+          <p:cNvPr id="2" name="矩形 1"/>
+          <p:cNvSpPr/>
+          <p:nvPr/>
+        </p:nvSpPr>
+        <p:spPr>
+          <a:xfrm>
+            <a:off x="4004945" y="3881755"/>
+            <a:ext cx="4182110" cy="1903095"/>
+          </a:xfrm>
+          <a:prstGeom prst="rect">
+            <a:avLst/>
+          </a:prstGeom>
+          <a:solidFill>
+            <a:srgbClr val="D12924"/>
+          </a:solidFill>
+        </p:spPr>
+        <p:style>
+          <a:lnRef idx="2">
+            <a:schemeClr val="accent1">
+              <a:shade val="50000"/>
+            </a:schemeClr>
+          </a:lnRef>
+          <a:fillRef idx="1">
+            <a:schemeClr val="accent1"/>
+          </a:fillRef>
+          <a:effectRef idx="0">
+            <a:schemeClr val="accent1"/>
+          </a:effectRef>
+          <a:fontRef idx="minor">
+            <a:schemeClr val="lt1"/>
+          </a:fontRef>
+        </p:style>
+        <p:txBody>
+          <a:bodyPr rtlCol="0" anchor="ctr"/>
+          <a:p>
+            <a:pPr algn="ctr"/>
+            <a:endParaRPr lang="zh-CN" altLang="en-US"/>
+          </a:p>
+        </p:txBody>
+      </p:sp>
+    </p:spTree>
+  </p:cSld>
+  <p:clrMapOvr>
+    <a:masterClrMapping/>
+  </p:clrMapOvr>
+</p:sld>
+</file>
+
+<file path=ppt/slides/slide5.xml><?xml version="1.0" encoding="utf-8"?>
+<p:sld xmlns:a="http://schemas.openxmlformats.org/drawingml/2006/main" xmlns:r="http://schemas.openxmlformats.org/officeDocument/2006/relationships" xmlns:p="http://schemas.openxmlformats.org/presentationml/2006/main">
+  <p:cSld>
+    <p:bg>
+      <p:bgPr>
+        <a:noFill/>
+        <a:effectLst/>
+      </p:bgPr>
+    </p:bg>
+    <p:spTree>
+      <p:nvGrpSpPr>
+        <p:cNvPr id="1" name=""/>
+        <p:cNvGrpSpPr/>
+        <p:nvPr/>
+      </p:nvGrpSpPr>
+      <p:grpSpPr/>
+      <p:grpSp>
+        <p:nvGrpSpPr>
+          <p:cNvPr id="10" name="组合 9"/>
+          <p:cNvGrpSpPr/>
+          <p:nvPr/>
+        </p:nvGrpSpPr>
+        <p:grpSpPr>
+          <a:xfrm>
+            <a:off x="1698625" y="2236470"/>
+            <a:ext cx="7865110" cy="1612900"/>
+            <a:chOff x="2675" y="3522"/>
+            <a:chExt cx="12386" cy="2540"/>
+          </a:xfrm>
+        </p:grpSpPr>
+        <p:sp>
+          <p:nvSpPr>
+            <p:cNvPr id="6" name="圆角矩形 5"/>
+            <p:cNvSpPr/>
+            <p:nvPr/>
+          </p:nvSpPr>
+          <p:spPr>
+            <a:xfrm>
+              <a:off x="2675" y="3522"/>
+              <a:ext cx="6314" cy="2540"/>
+            </a:xfrm>
+            <a:prstGeom prst="roundRect">
+              <a:avLst/>
+            </a:prstGeom>
+            <a:solidFill>
+              <a:srgbClr val="D12924"/>
+            </a:solidFill>
+            <a:ln w="66675">
+              <a:solidFill>
+                <a:srgbClr val="D12924"/>
+              </a:solidFill>
+            </a:ln>
+          </p:spPr>
+          <p:style>
+            <a:lnRef idx="2">
+              <a:schemeClr val="accent1">
+                <a:shade val="50000"/>
+              </a:schemeClr>
+            </a:lnRef>
+            <a:fillRef idx="1">
+              <a:schemeClr val="accent1"/>
+            </a:fillRef>
+            <a:effectRef idx="0">
+              <a:schemeClr val="accent1"/>
+            </a:effectRef>
+            <a:fontRef idx="minor">
+              <a:schemeClr val="lt1"/>
+            </a:fontRef>
+          </p:style>
+          <p:txBody>
+            <a:bodyPr rtlCol="0" anchor="ctr"/>
+            <a:p>
+              <a:pPr algn="ctr"/>
+              <a:endParaRPr lang="zh-CN" altLang="en-US"/>
+            </a:p>
+          </p:txBody>
+        </p:sp>
+        <p:sp>
+          <p:nvSpPr>
+            <p:cNvPr id="7" name="圆角矩形 6"/>
+            <p:cNvSpPr/>
+            <p:nvPr/>
+          </p:nvSpPr>
+          <p:spPr>
+            <a:xfrm>
+              <a:off x="7925" y="3522"/>
+              <a:ext cx="7135" cy="2540"/>
+            </a:xfrm>
+            <a:prstGeom prst="roundRect">
+              <a:avLst/>
+            </a:prstGeom>
+            <a:noFill/>
+            <a:ln w="66675">
+              <a:solidFill>
+                <a:srgbClr val="D12924"/>
+              </a:solidFill>
+            </a:ln>
+          </p:spPr>
+          <p:style>
+            <a:lnRef idx="2">
+              <a:schemeClr val="accent1">
+                <a:shade val="50000"/>
+              </a:schemeClr>
+            </a:lnRef>
+            <a:fillRef idx="1">
+              <a:schemeClr val="accent1"/>
+            </a:fillRef>
+            <a:effectRef idx="0">
+              <a:schemeClr val="accent1"/>
+            </a:effectRef>
+            <a:fontRef idx="minor">
+              <a:schemeClr val="lt1"/>
+            </a:fontRef>
+          </p:style>
+          <p:txBody>
+            <a:bodyPr rtlCol="0" anchor="ctr"/>
+            <a:p>
+              <a:pPr algn="ctr"/>
+              <a:endParaRPr lang="zh-CN" altLang="en-US"/>
+            </a:p>
+          </p:txBody>
+        </p:sp>
+        <p:sp>
+          <p:nvSpPr>
+            <p:cNvPr id="8" name="文本框 7"/>
+            <p:cNvSpPr txBox="1"/>
+            <p:nvPr/>
+          </p:nvSpPr>
+          <p:spPr>
+            <a:xfrm>
+              <a:off x="2704" y="3751"/>
+              <a:ext cx="6255" cy="2082"/>
+            </a:xfrm>
+            <a:prstGeom prst="rect">
+              <a:avLst/>
+            </a:prstGeom>
+            <a:noFill/>
+          </p:spPr>
+          <p:txBody>
+            <a:bodyPr wrap="none" rtlCol="0">
+              <a:spAutoFit/>
+            </a:bodyPr>
+            <a:p>
+              <a:r>
+                <a:rPr lang="en-US" altLang="zh-CN" sz="8000" b="1">
+                  <a:solidFill>
+                    <a:schemeClr val="bg1"/>
+                  </a:solidFill>
+                  <a:uFillTx/>
+                  <a:latin typeface="Mangal" panose="02040503050203030202" charset="0"/>
+                  <a:ea typeface="方正隶变_GBK" panose="02000000000000000000" charset="-122"/>
+                </a:rPr>
+                <a:t>Heioray</a:t>
+              </a:r>
+              <a:endParaRPr lang="en-US" altLang="zh-CN" sz="8000" b="1">
+                <a:solidFill>
+                  <a:schemeClr val="bg1"/>
+                </a:solidFill>
+                <a:uFillTx/>
+                <a:latin typeface="Mangal" panose="02040503050203030202" charset="0"/>
+                <a:ea typeface="方正隶变_GBK" panose="02000000000000000000" charset="-122"/>
+              </a:endParaRPr>
+            </a:p>
+          </p:txBody>
+        </p:sp>
+        <p:sp>
+          <p:nvSpPr>
+            <p:cNvPr id="9" name="文本框 8"/>
+            <p:cNvSpPr txBox="1"/>
+            <p:nvPr/>
+          </p:nvSpPr>
+          <p:spPr>
+            <a:xfrm>
+              <a:off x="8989" y="3751"/>
+              <a:ext cx="6073" cy="2082"/>
+            </a:xfrm>
+            <a:prstGeom prst="rect">
+              <a:avLst/>
+            </a:prstGeom>
+            <a:noFill/>
+          </p:spPr>
+          <p:txBody>
+            <a:bodyPr wrap="none" rtlCol="0">
+              <a:spAutoFit/>
+            </a:bodyPr>
+            <a:p>
+              <a:r>
+                <a:rPr lang="en-US" altLang="zh-CN" sz="8000" b="1">
+                  <a:solidFill>
+                    <a:srgbClr val="D12924"/>
+                  </a:solidFill>
+                  <a:uFillTx/>
+                  <a:latin typeface="Mangal" panose="02040503050203030202" charset="0"/>
+                  <a:ea typeface="方正隶变_GBK" panose="02000000000000000000" charset="-122"/>
+                </a:rPr>
+                <a:t>Studios</a:t>
+              </a:r>
+              <a:endParaRPr lang="en-US" altLang="zh-CN" sz="8000" b="1">
+                <a:solidFill>
+                  <a:srgbClr val="D12924"/>
+                </a:solidFill>
+                <a:uFillTx/>
+                <a:latin typeface="Mangal" panose="02040503050203030202" charset="0"/>
+                <a:ea typeface="方正隶变_GBK" panose="02000000000000000000" charset="-122"/>
+              </a:endParaRPr>
+            </a:p>
+          </p:txBody>
+        </p:sp>
+      </p:grpSp>
+    </p:spTree>
+  </p:cSld>
+  <p:clrMapOvr>
+    <a:masterClrMapping/>
+  </p:clrMapOvr>
+</p:sld>
+</file>
+
+<file path=ppt/slides/slide6.xml><?xml version="1.0" encoding="utf-8"?>
+<p:sld xmlns:a="http://schemas.openxmlformats.org/drawingml/2006/main" xmlns:r="http://schemas.openxmlformats.org/officeDocument/2006/relationships" xmlns:p="http://schemas.openxmlformats.org/presentationml/2006/main">
+  <p:cSld>
+    <p:bg>
+      <p:bgPr>
+        <a:noFill/>
+        <a:effectLst/>
+      </p:bgPr>
+    </p:bg>
+    <p:spTree>
+      <p:nvGrpSpPr>
+        <p:cNvPr id="1" name=""/>
+        <p:cNvGrpSpPr/>
+        <p:nvPr/>
+      </p:nvGrpSpPr>
+      <p:grpSpPr/>
+      <p:sp>
+        <p:nvSpPr>
+          <p:cNvPr id="6" name="圆角矩形 5"/>
+          <p:cNvSpPr/>
+          <p:nvPr/>
+        </p:nvSpPr>
+        <p:spPr>
+          <a:xfrm>
+            <a:off x="1582420" y="2149475"/>
+            <a:ext cx="4009390" cy="1612900"/>
+          </a:xfrm>
+          <a:prstGeom prst="roundRect">
+            <a:avLst/>
+          </a:prstGeom>
+          <a:solidFill>
+            <a:srgbClr val="D12924"/>
+          </a:solidFill>
+          <a:ln w="66675">
+            <a:solidFill>
+              <a:srgbClr val="D12924"/>
+            </a:solidFill>
+          </a:ln>
+        </p:spPr>
+        <p:style>
+          <a:lnRef idx="2">
+            <a:schemeClr val="accent1">
+              <a:shade val="50000"/>
+            </a:schemeClr>
+          </a:lnRef>
+          <a:fillRef idx="1">
+            <a:schemeClr val="accent1"/>
+          </a:fillRef>
+          <a:effectRef idx="0">
+            <a:schemeClr val="accent1"/>
+          </a:effectRef>
+          <a:fontRef idx="minor">
+            <a:schemeClr val="lt1"/>
+          </a:fontRef>
+        </p:style>
+        <p:txBody>
+          <a:bodyPr rtlCol="0" anchor="ctr"/>
+          <a:p>
+            <a:pPr algn="ctr"/>
+            <a:endParaRPr lang="zh-CN" altLang="en-US"/>
+          </a:p>
+        </p:txBody>
+      </p:sp>
+      <p:sp>
+        <p:nvSpPr>
+          <p:cNvPr id="7" name="圆角矩形 6"/>
+          <p:cNvSpPr/>
+          <p:nvPr/>
+        </p:nvSpPr>
+        <p:spPr>
+          <a:xfrm>
+            <a:off x="5438775" y="2535555"/>
+            <a:ext cx="4530725" cy="1612900"/>
+          </a:xfrm>
+          <a:prstGeom prst="roundRect">
+            <a:avLst/>
+          </a:prstGeom>
+          <a:noFill/>
+          <a:ln w="66675">
+            <a:solidFill>
+              <a:srgbClr val="D12924"/>
+            </a:solidFill>
+          </a:ln>
+        </p:spPr>
+        <p:style>
+          <a:lnRef idx="2">
+            <a:schemeClr val="accent1">
+              <a:shade val="50000"/>
+            </a:schemeClr>
+          </a:lnRef>
+          <a:fillRef idx="1">
+            <a:schemeClr val="accent1"/>
+          </a:fillRef>
+          <a:effectRef idx="0">
+            <a:schemeClr val="accent1"/>
+          </a:effectRef>
+          <a:fontRef idx="minor">
+            <a:schemeClr val="lt1"/>
+          </a:fontRef>
+        </p:style>
+        <p:txBody>
+          <a:bodyPr rtlCol="0" anchor="ctr"/>
+          <a:p>
+            <a:pPr algn="ctr"/>
+            <a:endParaRPr lang="zh-CN" altLang="en-US"/>
+          </a:p>
+        </p:txBody>
+      </p:sp>
+      <p:sp>
+        <p:nvSpPr>
+          <p:cNvPr id="8" name="文本框 7"/>
+          <p:cNvSpPr txBox="1"/>
+          <p:nvPr/>
+        </p:nvSpPr>
+        <p:spPr>
+          <a:xfrm>
+            <a:off x="1707515" y="2381885"/>
+            <a:ext cx="3971925" cy="1322070"/>
+          </a:xfrm>
+          <a:prstGeom prst="rect">
+            <a:avLst/>
+          </a:prstGeom>
+          <a:noFill/>
+        </p:spPr>
+        <p:txBody>
+          <a:bodyPr wrap="none" rtlCol="0">
+            <a:spAutoFit/>
+          </a:bodyPr>
+          <a:p>
+            <a:r>
+              <a:rPr lang="en-US" altLang="zh-CN" sz="8000" b="1">
+                <a:solidFill>
+                  <a:schemeClr val="bg1"/>
+                </a:solidFill>
+                <a:uFillTx/>
+                <a:latin typeface="Mangal" panose="02040503050203030202" charset="0"/>
+                <a:ea typeface="方正隶变_GBK" panose="02000000000000000000" charset="-122"/>
+              </a:rPr>
+              <a:t>Heioray</a:t>
+            </a:r>
+            <a:endParaRPr lang="en-US" altLang="zh-CN" sz="8000" b="1">
+              <a:solidFill>
+                <a:schemeClr val="bg1"/>
+              </a:solidFill>
+              <a:uFillTx/>
+              <a:latin typeface="Mangal" panose="02040503050203030202" charset="0"/>
+              <a:ea typeface="方正隶变_GBK" panose="02000000000000000000" charset="-122"/>
+            </a:endParaRPr>
+          </a:p>
+        </p:txBody>
+      </p:sp>
+      <p:sp>
+        <p:nvSpPr>
+          <p:cNvPr id="9" name="文本框 8"/>
+          <p:cNvSpPr txBox="1"/>
+          <p:nvPr/>
+        </p:nvSpPr>
+        <p:spPr>
+          <a:xfrm>
+            <a:off x="5698490" y="2381885"/>
+            <a:ext cx="3856355" cy="1322070"/>
+          </a:xfrm>
+          <a:prstGeom prst="rect">
+            <a:avLst/>
+          </a:prstGeom>
+          <a:noFill/>
+        </p:spPr>
+        <p:txBody>
+          <a:bodyPr wrap="none" rtlCol="0">
+            <a:spAutoFit/>
+          </a:bodyPr>
+          <a:p>
+            <a:r>
+              <a:rPr lang="en-US" altLang="zh-CN" sz="8000" b="1">
+                <a:solidFill>
+                  <a:srgbClr val="D12924"/>
+                </a:solidFill>
+                <a:uFillTx/>
+                <a:latin typeface="Mangal" panose="02040503050203030202" charset="0"/>
+                <a:ea typeface="方正隶变_GBK" panose="02000000000000000000" charset="-122"/>
+              </a:rPr>
+              <a:t>Studios</a:t>
+            </a:r>
+            <a:endParaRPr lang="en-US" altLang="zh-CN" sz="8000" b="1">
+              <a:solidFill>
+                <a:srgbClr val="D12924"/>
+              </a:solidFill>
+              <a:uFillTx/>
+              <a:latin typeface="Mangal" panose="02040503050203030202" charset="0"/>
+              <a:ea typeface="方正隶变_GBK" panose="02000000000000000000" charset="-122"/>
+            </a:endParaRPr>
+          </a:p>
+        </p:txBody>
+      </p:sp>
+    </p:spTree>
+  </p:cSld>
+  <p:clrMapOvr>
+    <a:masterClrMapping/>
+  </p:clrMapOvr>
+</p:sld>
+</file>
+
+<file path=ppt/slides/slide7.xml><?xml version="1.0" encoding="utf-8"?>
 <p:sld xmlns:a="http://schemas.openxmlformats.org/drawingml/2006/main" xmlns:r="http://schemas.openxmlformats.org/officeDocument/2006/relationships" xmlns:p="http://schemas.openxmlformats.org/presentationml/2006/main">
   <p:cSld>
     <p:spTree>
@@ -3618,7 +4955,7 @@
 </p:sld>
 </file>
 
-<file path=ppt/slides/slide5.xml><?xml version="1.0" encoding="utf-8"?>
+<file path=ppt/slides/slide8.xml><?xml version="1.0" encoding="utf-8"?>
 <p:sld xmlns:a="http://schemas.openxmlformats.org/drawingml/2006/main" xmlns:r="http://schemas.openxmlformats.org/officeDocument/2006/relationships" xmlns:p="http://schemas.openxmlformats.org/presentationml/2006/main">
   <p:cSld>
     <p:spTree>
@@ -4305,7 +5642,7 @@
 </p:sld>
 </file>
 
-<file path=ppt/slides/slide6.xml><?xml version="1.0" encoding="utf-8"?>
+<file path=ppt/slides/slide9.xml><?xml version="1.0" encoding="utf-8"?>
 <p:sld xmlns:a="http://schemas.openxmlformats.org/drawingml/2006/main" xmlns:r="http://schemas.openxmlformats.org/officeDocument/2006/relationships" xmlns:p="http://schemas.openxmlformats.org/presentationml/2006/main">
   <p:cSld>
     <p:spTree>
@@ -4748,281 +6085,6 @@
             <a:r>
               <a:rPr lang="en-US" altLang="zh-CN" b="1"/>
               <a:t>response records</a:t>
-            </a:r>
-            <a:endParaRPr lang="en-US" altLang="zh-CN" b="1"/>
-          </a:p>
-        </p:txBody>
-      </p:sp>
-    </p:spTree>
-  </p:cSld>
-  <p:clrMapOvr>
-    <a:masterClrMapping/>
-  </p:clrMapOvr>
-</p:sld>
-</file>
-
-<file path=ppt/slides/slide7.xml><?xml version="1.0" encoding="utf-8"?>
-<p:sld xmlns:a="http://schemas.openxmlformats.org/drawingml/2006/main" xmlns:r="http://schemas.openxmlformats.org/officeDocument/2006/relationships" xmlns:p="http://schemas.openxmlformats.org/presentationml/2006/main">
-  <p:cSld>
-    <p:spTree>
-      <p:nvGrpSpPr>
-        <p:cNvPr id="1" name=""/>
-        <p:cNvGrpSpPr/>
-        <p:nvPr/>
-      </p:nvGrpSpPr>
-      <p:grpSpPr/>
-      <p:sp>
-        <p:nvSpPr>
-          <p:cNvPr id="11" name="文本框 10"/>
-          <p:cNvSpPr txBox="1"/>
-          <p:nvPr/>
-        </p:nvSpPr>
-        <p:spPr>
-          <a:xfrm>
-            <a:off x="8890" y="6350"/>
-            <a:ext cx="6091555" cy="922020"/>
-          </a:xfrm>
-          <a:prstGeom prst="rect">
-            <a:avLst/>
-          </a:prstGeom>
-          <a:noFill/>
-        </p:spPr>
-        <p:txBody>
-          <a:bodyPr wrap="none" rtlCol="0">
-            <a:spAutoFit/>
-          </a:bodyPr>
-          <a:p>
-            <a:r>
-              <a:rPr lang="en-US" altLang="zh-CN" sz="5400">
-                <a:latin typeface="Comic Sans MS" panose="030F0702030302020204" charset="0"/>
-              </a:rPr>
-              <a:t>RequestShow Page</a:t>
-            </a:r>
-            <a:endParaRPr lang="en-US" altLang="zh-CN" sz="5400">
-              <a:latin typeface="Comic Sans MS" panose="030F0702030302020204" charset="0"/>
-            </a:endParaRPr>
-          </a:p>
-        </p:txBody>
-      </p:sp>
-      <p:sp>
-        <p:nvSpPr>
-          <p:cNvPr id="2" name="矩形 1"/>
-          <p:cNvSpPr/>
-          <p:nvPr/>
-        </p:nvSpPr>
-        <p:spPr>
-          <a:xfrm>
-            <a:off x="3618865" y="1192530"/>
-            <a:ext cx="8547100" cy="5626100"/>
-          </a:xfrm>
-          <a:prstGeom prst="rect">
-            <a:avLst/>
-          </a:prstGeom>
-          <a:solidFill>
-            <a:schemeClr val="bg1"/>
-          </a:solidFill>
-          <a:ln w="38100"/>
-        </p:spPr>
-        <p:style>
-          <a:lnRef idx="2">
-            <a:schemeClr val="accent1">
-              <a:shade val="50000"/>
-            </a:schemeClr>
-          </a:lnRef>
-          <a:fillRef idx="1">
-            <a:schemeClr val="accent1"/>
-          </a:fillRef>
-          <a:effectRef idx="0">
-            <a:schemeClr val="accent1"/>
-          </a:effectRef>
-          <a:fontRef idx="minor">
-            <a:schemeClr val="lt1"/>
-          </a:fontRef>
-        </p:style>
-        <p:txBody>
-          <a:bodyPr rtlCol="0" anchor="ctr"/>
-          <a:p>
-            <a:pPr algn="ctr"/>
-            <a:endParaRPr lang="zh-CN" altLang="en-US"/>
-          </a:p>
-        </p:txBody>
-      </p:sp>
-      <p:sp>
-        <p:nvSpPr>
-          <p:cNvPr id="3" name="矩形 2"/>
-          <p:cNvSpPr/>
-          <p:nvPr/>
-        </p:nvSpPr>
-        <p:spPr>
-          <a:xfrm>
-            <a:off x="3806825" y="2030730"/>
-            <a:ext cx="2590800" cy="4584700"/>
-          </a:xfrm>
-          <a:prstGeom prst="rect">
-            <a:avLst/>
-          </a:prstGeom>
-          <a:noFill/>
-          <a:ln w="31750"/>
-        </p:spPr>
-        <p:style>
-          <a:lnRef idx="2">
-            <a:schemeClr val="accent1">
-              <a:shade val="50000"/>
-            </a:schemeClr>
-          </a:lnRef>
-          <a:fillRef idx="1">
-            <a:schemeClr val="accent1"/>
-          </a:fillRef>
-          <a:effectRef idx="0">
-            <a:schemeClr val="accent1"/>
-          </a:effectRef>
-          <a:fontRef idx="minor">
-            <a:schemeClr val="lt1"/>
-          </a:fontRef>
-        </p:style>
-        <p:txBody>
-          <a:bodyPr rtlCol="0" anchor="ctr"/>
-          <a:p>
-            <a:pPr algn="ctr"/>
-            <a:endParaRPr lang="zh-CN" altLang="en-US"/>
-          </a:p>
-        </p:txBody>
-      </p:sp>
-      <p:sp>
-        <p:nvSpPr>
-          <p:cNvPr id="4" name="矩形 3"/>
-          <p:cNvSpPr/>
-          <p:nvPr/>
-        </p:nvSpPr>
-        <p:spPr>
-          <a:xfrm>
-            <a:off x="6597650" y="2030730"/>
-            <a:ext cx="5384165" cy="4584700"/>
-          </a:xfrm>
-          <a:prstGeom prst="rect">
-            <a:avLst/>
-          </a:prstGeom>
-          <a:noFill/>
-          <a:ln w="31750"/>
-        </p:spPr>
-        <p:style>
-          <a:lnRef idx="2">
-            <a:schemeClr val="accent1">
-              <a:shade val="50000"/>
-            </a:schemeClr>
-          </a:lnRef>
-          <a:fillRef idx="1">
-            <a:schemeClr val="accent1"/>
-          </a:fillRef>
-          <a:effectRef idx="0">
-            <a:schemeClr val="accent1"/>
-          </a:effectRef>
-          <a:fontRef idx="minor">
-            <a:schemeClr val="lt1"/>
-          </a:fontRef>
-        </p:style>
-        <p:txBody>
-          <a:bodyPr rtlCol="0" anchor="ctr"/>
-          <a:p>
-            <a:pPr algn="ctr"/>
-            <a:endParaRPr lang="zh-CN" altLang="en-US"/>
-          </a:p>
-        </p:txBody>
-      </p:sp>
-      <p:sp>
-        <p:nvSpPr>
-          <p:cNvPr id="7" name="矩形 6"/>
-          <p:cNvSpPr/>
-          <p:nvPr/>
-        </p:nvSpPr>
-        <p:spPr>
-          <a:xfrm flipV="1">
-            <a:off x="3620135" y="1191895"/>
-            <a:ext cx="8545830" cy="674370"/>
-          </a:xfrm>
-          <a:prstGeom prst="rect">
-            <a:avLst/>
-          </a:prstGeom>
-          <a:noFill/>
-          <a:ln w="31750"/>
-        </p:spPr>
-        <p:style>
-          <a:lnRef idx="2">
-            <a:schemeClr val="accent1">
-              <a:shade val="50000"/>
-            </a:schemeClr>
-          </a:lnRef>
-          <a:fillRef idx="1">
-            <a:schemeClr val="accent1"/>
-          </a:fillRef>
-          <a:effectRef idx="0">
-            <a:schemeClr val="accent1"/>
-          </a:effectRef>
-          <a:fontRef idx="minor">
-            <a:schemeClr val="lt1"/>
-          </a:fontRef>
-        </p:style>
-        <p:txBody>
-          <a:bodyPr rtlCol="0" anchor="ctr"/>
-          <a:p>
-            <a:pPr algn="ctr"/>
-            <a:endParaRPr lang="zh-CN" altLang="en-US"/>
-          </a:p>
-        </p:txBody>
-      </p:sp>
-      <p:sp>
-        <p:nvSpPr>
-          <p:cNvPr id="21" name="文本框 20"/>
-          <p:cNvSpPr txBox="1"/>
-          <p:nvPr/>
-        </p:nvSpPr>
-        <p:spPr>
-          <a:xfrm>
-            <a:off x="4098925" y="2348230"/>
-            <a:ext cx="1489075" cy="368300"/>
-          </a:xfrm>
-          <a:prstGeom prst="rect">
-            <a:avLst/>
-          </a:prstGeom>
-          <a:noFill/>
-        </p:spPr>
-        <p:txBody>
-          <a:bodyPr wrap="none" rtlCol="0">
-            <a:spAutoFit/>
-          </a:bodyPr>
-          <a:p>
-            <a:r>
-              <a:rPr lang="en-US" altLang="zh-CN" b="1"/>
-              <a:t>Interface Tree</a:t>
-            </a:r>
-            <a:endParaRPr lang="en-US" altLang="zh-CN" b="1"/>
-          </a:p>
-        </p:txBody>
-      </p:sp>
-      <p:sp>
-        <p:nvSpPr>
-          <p:cNvPr id="6" name="文本框 5"/>
-          <p:cNvSpPr txBox="1"/>
-          <p:nvPr/>
-        </p:nvSpPr>
-        <p:spPr>
-          <a:xfrm>
-            <a:off x="8470265" y="3244850"/>
-            <a:ext cx="1489710" cy="368300"/>
-          </a:xfrm>
-          <a:prstGeom prst="rect">
-            <a:avLst/>
-          </a:prstGeom>
-          <a:noFill/>
-        </p:spPr>
-        <p:txBody>
-          <a:bodyPr wrap="none" rtlCol="0">
-            <a:spAutoFit/>
-          </a:bodyPr>
-          <a:p>
-            <a:r>
-              <a:rPr lang="en-US" altLang="zh-CN" b="1"/>
-              <a:t>Params Detail</a:t>
             </a:r>
             <a:endParaRPr lang="en-US" altLang="zh-CN" b="1"/>
           </a:p>

--- a/design.pptx
+++ b/design.pptx
@@ -6,53 +6,56 @@
   </p:sldMasterIdLst>
   <p:sldIdLst>
     <p:sldId id="257" r:id="rId3"/>
-    <p:sldId id="259" r:id="rId4"/>
-    <p:sldId id="258" r:id="rId5"/>
-    <p:sldId id="266" r:id="rId6"/>
-    <p:sldId id="267" r:id="rId7"/>
-    <p:sldId id="268" r:id="rId8"/>
-    <p:sldId id="260" r:id="rId9"/>
-    <p:sldId id="261" r:id="rId10"/>
-    <p:sldId id="262" r:id="rId11"/>
-    <p:sldId id="263" r:id="rId12"/>
-    <p:sldId id="265" r:id="rId13"/>
+    <p:sldId id="274" r:id="rId4"/>
+    <p:sldId id="275" r:id="rId5"/>
+    <p:sldId id="276" r:id="rId6"/>
+    <p:sldId id="259" r:id="rId7"/>
+    <p:sldId id="258" r:id="rId8"/>
+    <p:sldId id="266" r:id="rId9"/>
+    <p:sldId id="267" r:id="rId10"/>
+    <p:sldId id="268" r:id="rId11"/>
+    <p:sldId id="260" r:id="rId12"/>
+    <p:sldId id="261" r:id="rId13"/>
+    <p:sldId id="262" r:id="rId14"/>
+    <p:sldId id="263" r:id="rId15"/>
+    <p:sldId id="265" r:id="rId16"/>
   </p:sldIdLst>
   <p:sldSz cx="12192000" cy="6858000"/>
   <p:notesSz cx="6858000" cy="9144000"/>
   <p:embeddedFontLst>
     <p:embeddedFont>
       <p:font typeface="Aharoni" panose="02010803020104030203" charset="0"/>
-      <p:bold r:id="rId17"/>
+      <p:bold r:id="rId20"/>
     </p:embeddedFont>
     <p:embeddedFont>
       <p:font typeface="方正隶变_GBK" panose="02000000000000000000" charset="-122"/>
-      <p:regular r:id="rId18"/>
+      <p:regular r:id="rId21"/>
     </p:embeddedFont>
     <p:embeddedFont>
       <p:font typeface="Comic Sans MS" panose="030F0702030302020204" charset="0"/>
-      <p:regular r:id="rId19"/>
-      <p:bold r:id="rId20"/>
-    </p:embeddedFont>
-    <p:embeddedFont>
-      <p:font typeface="Gabriola" panose="04040605051002020D02" charset="0"/>
-      <p:regular r:id="rId21"/>
-    </p:embeddedFont>
-    <p:embeddedFont>
-      <p:font typeface="Segoe Print" panose="02000600000000000000" charset="0"/>
       <p:regular r:id="rId22"/>
       <p:bold r:id="rId23"/>
     </p:embeddedFont>
     <p:embeddedFont>
-      <p:font typeface="Calibri" panose="020F0502020204030204" charset="0"/>
+      <p:font typeface="Gabriola" panose="04040605051002020D02" charset="0"/>
       <p:regular r:id="rId24"/>
-      <p:bold r:id="rId25"/>
-      <p:italic r:id="rId26"/>
-      <p:boldItalic r:id="rId27"/>
+    </p:embeddedFont>
+    <p:embeddedFont>
+      <p:font typeface="Segoe Print" panose="02000600000000000000" charset="0"/>
+      <p:regular r:id="rId25"/>
+      <p:bold r:id="rId26"/>
     </p:embeddedFont>
     <p:embeddedFont>
       <p:font typeface="Mangal" panose="02040503050203030202" charset="0"/>
-      <p:regular r:id="rId28"/>
-      <p:bold r:id="rId29"/>
+      <p:regular r:id="rId27"/>
+      <p:bold r:id="rId28"/>
+    </p:embeddedFont>
+    <p:embeddedFont>
+      <p:font typeface="Calibri" panose="020F0502020204030204" charset="0"/>
+      <p:regular r:id="rId29"/>
+      <p:bold r:id="rId30"/>
+      <p:italic r:id="rId31"/>
+      <p:boldItalic r:id="rId32"/>
     </p:embeddedFont>
   </p:embeddedFontLst>
   <p:defaultTextStyle>
@@ -3150,6 +3153,94 @@
         <p:nvPr/>
       </p:nvGrpSpPr>
       <p:grpSpPr/>
+      <p:grpSp>
+        <p:nvGrpSpPr>
+          <p:cNvPr id="4" name="组合 3"/>
+          <p:cNvGrpSpPr/>
+          <p:nvPr/>
+        </p:nvGrpSpPr>
+        <p:grpSpPr>
+          <a:xfrm>
+            <a:off x="2538095" y="980440"/>
+            <a:ext cx="9596120" cy="5839460"/>
+            <a:chOff x="2054" y="600"/>
+            <a:chExt cx="15840" cy="9900"/>
+          </a:xfrm>
+        </p:grpSpPr>
+        <p:pic>
+          <p:nvPicPr>
+            <p:cNvPr id="3" name="图片 2" descr="404"/>
+            <p:cNvPicPr>
+              <a:picLocks noChangeAspect="1"/>
+            </p:cNvPicPr>
+            <p:nvPr/>
+          </p:nvPicPr>
+          <p:blipFill>
+            <a:blip r:embed="rId1"/>
+            <a:stretch>
+              <a:fillRect/>
+            </a:stretch>
+          </p:blipFill>
+          <p:spPr>
+            <a:xfrm>
+              <a:off x="2054" y="600"/>
+              <a:ext cx="15840" cy="9900"/>
+            </a:xfrm>
+            <a:prstGeom prst="rect">
+              <a:avLst/>
+            </a:prstGeom>
+          </p:spPr>
+        </p:pic>
+        <p:sp>
+          <p:nvSpPr>
+            <p:cNvPr id="5" name="文本框 4"/>
+            <p:cNvSpPr txBox="1"/>
+            <p:nvPr/>
+          </p:nvSpPr>
+          <p:spPr>
+            <a:xfrm>
+              <a:off x="3140" y="1336"/>
+              <a:ext cx="6321" cy="3155"/>
+            </a:xfrm>
+            <a:prstGeom prst="rect">
+              <a:avLst/>
+            </a:prstGeom>
+            <a:noFill/>
+          </p:spPr>
+          <p:txBody>
+            <a:bodyPr wrap="square" rtlCol="0">
+              <a:spAutoFit/>
+            </a:bodyPr>
+            <a:p>
+              <a:r>
+                <a:rPr lang="en-US" altLang="zh-CN" sz="11500" b="1">
+                  <a:solidFill>
+                    <a:schemeClr val="tx1">
+                      <a:lumMod val="65000"/>
+                      <a:lumOff val="35000"/>
+                    </a:schemeClr>
+                  </a:solidFill>
+                  <a:uFillTx/>
+                  <a:latin typeface="Segoe Print" panose="02000600000000000000" charset="0"/>
+                  <a:ea typeface="方正隶变_GBK" panose="02000000000000000000" charset="-122"/>
+                </a:rPr>
+                <a:t>404</a:t>
+              </a:r>
+              <a:endParaRPr lang="en-US" altLang="zh-CN" sz="11500" b="1">
+                <a:solidFill>
+                  <a:schemeClr val="tx1">
+                    <a:lumMod val="65000"/>
+                    <a:lumOff val="35000"/>
+                  </a:schemeClr>
+                </a:solidFill>
+                <a:uFillTx/>
+                <a:latin typeface="Segoe Print" panose="02000600000000000000" charset="0"/>
+                <a:ea typeface="方正隶变_GBK" panose="02000000000000000000" charset="-122"/>
+              </a:endParaRPr>
+            </a:p>
+          </p:txBody>
+        </p:sp>
+      </p:grpSp>
       <p:sp>
         <p:nvSpPr>
           <p:cNvPr id="11" name="文本框 10"/>
@@ -3158,8 +3249,8 @@
         </p:nvSpPr>
         <p:spPr>
           <a:xfrm>
-            <a:off x="8890" y="6350"/>
-            <a:ext cx="6091555" cy="922020"/>
+            <a:off x="377190" y="400050"/>
+            <a:ext cx="3091180" cy="922020"/>
           </a:xfrm>
           <a:prstGeom prst="rect">
             <a:avLst/>
@@ -3175,7 +3266,7 @@
               <a:rPr lang="en-US" altLang="zh-CN" sz="5400">
                 <a:latin typeface="Comic Sans MS" panose="030F0702030302020204" charset="0"/>
               </a:rPr>
-              <a:t>RequestShow Page</a:t>
+              <a:t>404 Page</a:t>
             </a:r>
             <a:endParaRPr lang="en-US" altLang="zh-CN" sz="5400">
               <a:latin typeface="Comic Sans MS" panose="030F0702030302020204" charset="0"/>
@@ -3183,6 +3274,57 @@
           </a:p>
         </p:txBody>
       </p:sp>
+    </p:spTree>
+  </p:cSld>
+  <p:clrMapOvr>
+    <a:masterClrMapping/>
+  </p:clrMapOvr>
+</p:sld>
+</file>
+
+<file path=ppt/slides/slide11.xml><?xml version="1.0" encoding="utf-8"?>
+<p:sld xmlns:a="http://schemas.openxmlformats.org/drawingml/2006/main" xmlns:r="http://schemas.openxmlformats.org/officeDocument/2006/relationships" xmlns:p="http://schemas.openxmlformats.org/presentationml/2006/main">
+  <p:cSld>
+    <p:spTree>
+      <p:nvGrpSpPr>
+        <p:cNvPr id="1" name=""/>
+        <p:cNvGrpSpPr/>
+        <p:nvPr/>
+      </p:nvGrpSpPr>
+      <p:grpSpPr/>
+      <p:sp>
+        <p:nvSpPr>
+          <p:cNvPr id="11" name="文本框 10"/>
+          <p:cNvSpPr txBox="1"/>
+          <p:nvPr/>
+        </p:nvSpPr>
+        <p:spPr>
+          <a:xfrm>
+            <a:off x="8890" y="6350"/>
+            <a:ext cx="4211320" cy="922020"/>
+          </a:xfrm>
+          <a:prstGeom prst="rect">
+            <a:avLst/>
+          </a:prstGeom>
+          <a:noFill/>
+        </p:spPr>
+        <p:txBody>
+          <a:bodyPr wrap="none" rtlCol="0">
+            <a:spAutoFit/>
+          </a:bodyPr>
+          <a:p>
+            <a:r>
+              <a:rPr lang="en-US" altLang="zh-CN" sz="5400">
+                <a:latin typeface="Comic Sans MS" panose="030F0702030302020204" charset="0"/>
+              </a:rPr>
+              <a:t>Project Page</a:t>
+            </a:r>
+            <a:endParaRPr lang="en-US" altLang="zh-CN" sz="5400">
+              <a:latin typeface="Comic Sans MS" panose="030F0702030302020204" charset="0"/>
+            </a:endParaRPr>
+          </a:p>
+        </p:txBody>
+      </p:sp>
       <p:sp>
         <p:nvSpPr>
           <p:cNvPr id="2" name="矩形 1"/>
@@ -3191,7 +3333,7 @@
         </p:nvSpPr>
         <p:spPr>
           <a:xfrm>
-            <a:off x="3618865" y="1192530"/>
+            <a:off x="3619500" y="1192530"/>
             <a:ext cx="8547100" cy="5626100"/>
           </a:xfrm>
           <a:prstGeom prst="rect">
@@ -3351,48 +3493,330 @@
       </p:sp>
       <p:sp>
         <p:nvSpPr>
-          <p:cNvPr id="21" name="文本框 20"/>
-          <p:cNvSpPr txBox="1"/>
+          <p:cNvPr id="9" name="矩形 8"/>
+          <p:cNvSpPr/>
           <p:nvPr/>
         </p:nvSpPr>
         <p:spPr>
           <a:xfrm>
-            <a:off x="4098925" y="2348230"/>
-            <a:ext cx="1489075" cy="368300"/>
+            <a:off x="6753225" y="2183130"/>
+            <a:ext cx="1536700" cy="1118235"/>
           </a:xfrm>
           <a:prstGeom prst="rect">
             <a:avLst/>
           </a:prstGeom>
           <a:noFill/>
-        </p:spPr>
-        <p:txBody>
-          <a:bodyPr wrap="none" rtlCol="0">
-            <a:spAutoFit/>
-          </a:bodyPr>
-          <a:p>
-            <a:r>
-              <a:rPr lang="en-US" altLang="zh-CN" b="1"/>
-              <a:t>Interface Tree</a:t>
-            </a:r>
-            <a:endParaRPr lang="en-US" altLang="zh-CN" b="1"/>
-          </a:p>
-        </p:txBody>
-      </p:sp>
-      <p:sp>
-        <p:nvSpPr>
-          <p:cNvPr id="6" name="文本框 5"/>
-          <p:cNvSpPr txBox="1"/>
+          <a:ln w="31750"/>
+        </p:spPr>
+        <p:style>
+          <a:lnRef idx="2">
+            <a:schemeClr val="accent1">
+              <a:shade val="50000"/>
+            </a:schemeClr>
+          </a:lnRef>
+          <a:fillRef idx="1">
+            <a:schemeClr val="accent1"/>
+          </a:fillRef>
+          <a:effectRef idx="0">
+            <a:schemeClr val="accent1"/>
+          </a:effectRef>
+          <a:fontRef idx="minor">
+            <a:schemeClr val="lt1"/>
+          </a:fontRef>
+        </p:style>
+        <p:txBody>
+          <a:bodyPr rtlCol="0" anchor="ctr"/>
+          <a:p>
+            <a:pPr algn="ctr"/>
+            <a:endParaRPr lang="zh-CN" altLang="en-US"/>
+          </a:p>
+        </p:txBody>
+      </p:sp>
+      <p:sp>
+        <p:nvSpPr>
+          <p:cNvPr id="13" name="矩形 12"/>
+          <p:cNvSpPr/>
           <p:nvPr/>
         </p:nvSpPr>
         <p:spPr>
           <a:xfrm>
-            <a:off x="8470265" y="3244850"/>
-            <a:ext cx="1489710" cy="368300"/>
+            <a:off x="8521065" y="2183130"/>
+            <a:ext cx="1536700" cy="1118235"/>
           </a:xfrm>
           <a:prstGeom prst="rect">
             <a:avLst/>
           </a:prstGeom>
           <a:noFill/>
+          <a:ln w="31750"/>
+        </p:spPr>
+        <p:style>
+          <a:lnRef idx="2">
+            <a:schemeClr val="accent1">
+              <a:shade val="50000"/>
+            </a:schemeClr>
+          </a:lnRef>
+          <a:fillRef idx="1">
+            <a:schemeClr val="accent1"/>
+          </a:fillRef>
+          <a:effectRef idx="0">
+            <a:schemeClr val="accent1"/>
+          </a:effectRef>
+          <a:fontRef idx="minor">
+            <a:schemeClr val="lt1"/>
+          </a:fontRef>
+        </p:style>
+        <p:txBody>
+          <a:bodyPr rtlCol="0" anchor="ctr"/>
+          <a:p>
+            <a:pPr algn="ctr"/>
+            <a:endParaRPr lang="zh-CN" altLang="en-US"/>
+          </a:p>
+        </p:txBody>
+      </p:sp>
+      <p:sp>
+        <p:nvSpPr>
+          <p:cNvPr id="14" name="矩形 13"/>
+          <p:cNvSpPr/>
+          <p:nvPr/>
+        </p:nvSpPr>
+        <p:spPr>
+          <a:xfrm>
+            <a:off x="10286365" y="2183130"/>
+            <a:ext cx="1536700" cy="1118235"/>
+          </a:xfrm>
+          <a:prstGeom prst="rect">
+            <a:avLst/>
+          </a:prstGeom>
+          <a:noFill/>
+          <a:ln w="31750"/>
+        </p:spPr>
+        <p:style>
+          <a:lnRef idx="2">
+            <a:schemeClr val="accent1">
+              <a:shade val="50000"/>
+            </a:schemeClr>
+          </a:lnRef>
+          <a:fillRef idx="1">
+            <a:schemeClr val="accent1"/>
+          </a:fillRef>
+          <a:effectRef idx="0">
+            <a:schemeClr val="accent1"/>
+          </a:effectRef>
+          <a:fontRef idx="minor">
+            <a:schemeClr val="lt1"/>
+          </a:fontRef>
+        </p:style>
+        <p:txBody>
+          <a:bodyPr rtlCol="0" anchor="ctr"/>
+          <a:p>
+            <a:pPr algn="ctr"/>
+            <a:endParaRPr lang="zh-CN" altLang="en-US"/>
+          </a:p>
+        </p:txBody>
+      </p:sp>
+      <p:sp>
+        <p:nvSpPr>
+          <p:cNvPr id="15" name="矩形 14"/>
+          <p:cNvSpPr/>
+          <p:nvPr/>
+        </p:nvSpPr>
+        <p:spPr>
+          <a:xfrm>
+            <a:off x="6753225" y="3446780"/>
+            <a:ext cx="1536700" cy="1118235"/>
+          </a:xfrm>
+          <a:prstGeom prst="rect">
+            <a:avLst/>
+          </a:prstGeom>
+          <a:noFill/>
+          <a:ln w="31750"/>
+        </p:spPr>
+        <p:style>
+          <a:lnRef idx="2">
+            <a:schemeClr val="accent1">
+              <a:shade val="50000"/>
+            </a:schemeClr>
+          </a:lnRef>
+          <a:fillRef idx="1">
+            <a:schemeClr val="accent1"/>
+          </a:fillRef>
+          <a:effectRef idx="0">
+            <a:schemeClr val="accent1"/>
+          </a:effectRef>
+          <a:fontRef idx="minor">
+            <a:schemeClr val="lt1"/>
+          </a:fontRef>
+        </p:style>
+        <p:txBody>
+          <a:bodyPr rtlCol="0" anchor="ctr"/>
+          <a:p>
+            <a:pPr algn="ctr"/>
+            <a:endParaRPr lang="zh-CN" altLang="en-US"/>
+          </a:p>
+        </p:txBody>
+      </p:sp>
+      <p:sp>
+        <p:nvSpPr>
+          <p:cNvPr id="16" name="矩形 15"/>
+          <p:cNvSpPr/>
+          <p:nvPr/>
+        </p:nvSpPr>
+        <p:spPr>
+          <a:xfrm>
+            <a:off x="8521700" y="3446145"/>
+            <a:ext cx="1536700" cy="1118235"/>
+          </a:xfrm>
+          <a:prstGeom prst="rect">
+            <a:avLst/>
+          </a:prstGeom>
+          <a:noFill/>
+          <a:ln w="31750"/>
+        </p:spPr>
+        <p:style>
+          <a:lnRef idx="2">
+            <a:schemeClr val="accent1">
+              <a:shade val="50000"/>
+            </a:schemeClr>
+          </a:lnRef>
+          <a:fillRef idx="1">
+            <a:schemeClr val="accent1"/>
+          </a:fillRef>
+          <a:effectRef idx="0">
+            <a:schemeClr val="accent1"/>
+          </a:effectRef>
+          <a:fontRef idx="minor">
+            <a:schemeClr val="lt1"/>
+          </a:fontRef>
+        </p:style>
+        <p:txBody>
+          <a:bodyPr rtlCol="0" anchor="ctr"/>
+          <a:p>
+            <a:pPr algn="ctr"/>
+            <a:endParaRPr lang="zh-CN" altLang="en-US"/>
+          </a:p>
+        </p:txBody>
+      </p:sp>
+      <p:sp>
+        <p:nvSpPr>
+          <p:cNvPr id="17" name="矩形 16"/>
+          <p:cNvSpPr/>
+          <p:nvPr/>
+        </p:nvSpPr>
+        <p:spPr>
+          <a:xfrm>
+            <a:off x="10286365" y="3446145"/>
+            <a:ext cx="1536700" cy="1118235"/>
+          </a:xfrm>
+          <a:prstGeom prst="rect">
+            <a:avLst/>
+          </a:prstGeom>
+          <a:noFill/>
+          <a:ln w="31750"/>
+        </p:spPr>
+        <p:style>
+          <a:lnRef idx="2">
+            <a:schemeClr val="accent1">
+              <a:shade val="50000"/>
+            </a:schemeClr>
+          </a:lnRef>
+          <a:fillRef idx="1">
+            <a:schemeClr val="accent1"/>
+          </a:fillRef>
+          <a:effectRef idx="0">
+            <a:schemeClr val="accent1"/>
+          </a:effectRef>
+          <a:fontRef idx="minor">
+            <a:schemeClr val="lt1"/>
+          </a:fontRef>
+        </p:style>
+        <p:txBody>
+          <a:bodyPr rtlCol="0" anchor="ctr"/>
+          <a:p>
+            <a:pPr algn="ctr"/>
+            <a:endParaRPr lang="zh-CN" altLang="en-US"/>
+          </a:p>
+        </p:txBody>
+      </p:sp>
+      <p:sp>
+        <p:nvSpPr>
+          <p:cNvPr id="18" name="矩形 17"/>
+          <p:cNvSpPr/>
+          <p:nvPr/>
+        </p:nvSpPr>
+        <p:spPr>
+          <a:xfrm>
+            <a:off x="6753225" y="4792345"/>
+            <a:ext cx="1536700" cy="1118235"/>
+          </a:xfrm>
+          <a:prstGeom prst="rect">
+            <a:avLst/>
+          </a:prstGeom>
+          <a:noFill/>
+          <a:ln w="31750"/>
+        </p:spPr>
+        <p:style>
+          <a:lnRef idx="2">
+            <a:schemeClr val="accent1">
+              <a:shade val="50000"/>
+            </a:schemeClr>
+          </a:lnRef>
+          <a:fillRef idx="1">
+            <a:schemeClr val="accent1"/>
+          </a:fillRef>
+          <a:effectRef idx="0">
+            <a:schemeClr val="accent1"/>
+          </a:effectRef>
+          <a:fontRef idx="minor">
+            <a:schemeClr val="lt1"/>
+          </a:fontRef>
+        </p:style>
+        <p:txBody>
+          <a:bodyPr rtlCol="0" anchor="ctr"/>
+          <a:p>
+            <a:pPr algn="ctr"/>
+            <a:endParaRPr lang="zh-CN" altLang="en-US"/>
+          </a:p>
+        </p:txBody>
+      </p:sp>
+      <p:pic>
+        <p:nvPicPr>
+          <p:cNvPr id="19" name="图片 18"/>
+          <p:cNvPicPr>
+            <a:picLocks noChangeAspect="1"/>
+          </p:cNvPicPr>
+          <p:nvPr/>
+        </p:nvPicPr>
+        <p:blipFill>
+          <a:blip r:embed="rId1"/>
+          <a:stretch>
+            <a:fillRect/>
+          </a:stretch>
+        </p:blipFill>
+        <p:spPr>
+          <a:xfrm>
+            <a:off x="7254875" y="5085080"/>
+            <a:ext cx="533400" cy="533400"/>
+          </a:xfrm>
+          <a:prstGeom prst="rect">
+            <a:avLst/>
+          </a:prstGeom>
+        </p:spPr>
+      </p:pic>
+      <p:sp>
+        <p:nvSpPr>
+          <p:cNvPr id="20" name="文本框 19"/>
+          <p:cNvSpPr txBox="1"/>
+          <p:nvPr/>
+        </p:nvSpPr>
+        <p:spPr>
+          <a:xfrm>
+            <a:off x="3984625" y="2640330"/>
+            <a:ext cx="1418590" cy="368300"/>
+          </a:xfrm>
+          <a:prstGeom prst="rect">
+            <a:avLst/>
+          </a:prstGeom>
+          <a:noFill/>
         </p:spPr>
         <p:txBody>
           <a:bodyPr wrap="none" rtlCol="0">
@@ -3401,9 +3825,139 @@
           <a:p>
             <a:r>
               <a:rPr lang="en-US" altLang="zh-CN" b="1"/>
-              <a:t>Params Detail</a:t>
+              <a:t>· My Projects</a:t>
             </a:r>
             <a:endParaRPr lang="en-US" altLang="zh-CN" b="1"/>
+          </a:p>
+        </p:txBody>
+      </p:sp>
+      <p:sp>
+        <p:nvSpPr>
+          <p:cNvPr id="21" name="文本框 20"/>
+          <p:cNvSpPr txBox="1"/>
+          <p:nvPr/>
+        </p:nvSpPr>
+        <p:spPr>
+          <a:xfrm>
+            <a:off x="3984625" y="3008630"/>
+            <a:ext cx="1820545" cy="368300"/>
+          </a:xfrm>
+          <a:prstGeom prst="rect">
+            <a:avLst/>
+          </a:prstGeom>
+          <a:noFill/>
+        </p:spPr>
+        <p:txBody>
+          <a:bodyPr wrap="none" rtlCol="0">
+            <a:spAutoFit/>
+          </a:bodyPr>
+          <a:p>
+            <a:pPr algn="l"/>
+            <a:r>
+              <a:rPr lang="en-US" altLang="zh-CN" b="1">
+                <a:sym typeface="+mn-ea"/>
+              </a:rPr>
+              <a:t>· </a:t>
+            </a:r>
+            <a:r>
+              <a:rPr lang="en-US" altLang="zh-CN" b="1"/>
+              <a:t>All Projects Tree</a:t>
+            </a:r>
+            <a:endParaRPr lang="en-US" altLang="zh-CN" b="1"/>
+          </a:p>
+        </p:txBody>
+      </p:sp>
+      <p:sp>
+        <p:nvSpPr>
+          <p:cNvPr id="22" name="圆角矩形 21"/>
+          <p:cNvSpPr/>
+          <p:nvPr/>
+        </p:nvSpPr>
+        <p:spPr>
+          <a:xfrm>
+            <a:off x="3959225" y="2322830"/>
+            <a:ext cx="1217295" cy="317500"/>
+          </a:xfrm>
+          <a:prstGeom prst="roundRect">
+            <a:avLst/>
+          </a:prstGeom>
+          <a:noFill/>
+          <a:ln w="34925"/>
+        </p:spPr>
+        <p:style>
+          <a:lnRef idx="2">
+            <a:schemeClr val="accent1">
+              <a:shade val="50000"/>
+            </a:schemeClr>
+          </a:lnRef>
+          <a:fillRef idx="1">
+            <a:schemeClr val="accent1"/>
+          </a:fillRef>
+          <a:effectRef idx="0">
+            <a:schemeClr val="accent1"/>
+          </a:effectRef>
+          <a:fontRef idx="minor">
+            <a:schemeClr val="lt1"/>
+          </a:fontRef>
+        </p:style>
+        <p:txBody>
+          <a:bodyPr rtlCol="0" anchor="ctr"/>
+          <a:p>
+            <a:pPr algn="ctr"/>
+            <a:endParaRPr lang="zh-CN" altLang="en-US"/>
+          </a:p>
+        </p:txBody>
+      </p:sp>
+      <p:sp>
+        <p:nvSpPr>
+          <p:cNvPr id="23" name="圆角矩形 22"/>
+          <p:cNvSpPr/>
+          <p:nvPr/>
+        </p:nvSpPr>
+        <p:spPr>
+          <a:xfrm>
+            <a:off x="5305425" y="2322830"/>
+            <a:ext cx="928370" cy="317500"/>
+          </a:xfrm>
+          <a:prstGeom prst="roundRect">
+            <a:avLst/>
+          </a:prstGeom>
+          <a:noFill/>
+          <a:ln w="34925"/>
+        </p:spPr>
+        <p:style>
+          <a:lnRef idx="2">
+            <a:schemeClr val="accent1">
+              <a:shade val="50000"/>
+            </a:schemeClr>
+          </a:lnRef>
+          <a:fillRef idx="1">
+            <a:schemeClr val="accent1"/>
+          </a:fillRef>
+          <a:effectRef idx="0">
+            <a:schemeClr val="accent1"/>
+          </a:effectRef>
+          <a:fontRef idx="minor">
+            <a:schemeClr val="lt1"/>
+          </a:fontRef>
+        </p:style>
+        <p:txBody>
+          <a:bodyPr rtlCol="0" anchor="ctr"/>
+          <a:p>
+            <a:pPr algn="ctr"/>
+            <a:r>
+              <a:rPr lang="en-US" altLang="zh-CN" b="1">
+                <a:solidFill>
+                  <a:schemeClr val="tx1"/>
+                </a:solidFill>
+              </a:rPr>
+              <a:t>Search</a:t>
+            </a:r>
+            <a:endParaRPr lang="en-US" altLang="zh-CN" b="1">
+              <a:solidFill>
+                <a:schemeClr val="tx1"/>
+              </a:solidFill>
+            </a:endParaRPr>
           </a:p>
         </p:txBody>
       </p:sp>
@@ -3415,7 +3969,738 @@
 </p:sld>
 </file>
 
-<file path=ppt/slides/slide11.xml><?xml version="1.0" encoding="utf-8"?>
+<file path=ppt/slides/slide12.xml><?xml version="1.0" encoding="utf-8"?>
+<p:sld xmlns:a="http://schemas.openxmlformats.org/drawingml/2006/main" xmlns:r="http://schemas.openxmlformats.org/officeDocument/2006/relationships" xmlns:p="http://schemas.openxmlformats.org/presentationml/2006/main">
+  <p:cSld>
+    <p:spTree>
+      <p:nvGrpSpPr>
+        <p:cNvPr id="1" name=""/>
+        <p:cNvGrpSpPr/>
+        <p:nvPr/>
+      </p:nvGrpSpPr>
+      <p:grpSpPr/>
+      <p:sp>
+        <p:nvSpPr>
+          <p:cNvPr id="11" name="文本框 10"/>
+          <p:cNvSpPr txBox="1"/>
+          <p:nvPr/>
+        </p:nvSpPr>
+        <p:spPr>
+          <a:xfrm>
+            <a:off x="8890" y="6350"/>
+            <a:ext cx="5093335" cy="922020"/>
+          </a:xfrm>
+          <a:prstGeom prst="rect">
+            <a:avLst/>
+          </a:prstGeom>
+          <a:noFill/>
+        </p:spPr>
+        <p:txBody>
+          <a:bodyPr wrap="none" rtlCol="0">
+            <a:spAutoFit/>
+          </a:bodyPr>
+          <a:p>
+            <a:r>
+              <a:rPr lang="en-US" altLang="zh-CN" sz="5400">
+                <a:latin typeface="Comic Sans MS" panose="030F0702030302020204" charset="0"/>
+              </a:rPr>
+              <a:t>InterFace Page</a:t>
+            </a:r>
+            <a:endParaRPr lang="en-US" altLang="zh-CN" sz="5400">
+              <a:latin typeface="Comic Sans MS" panose="030F0702030302020204" charset="0"/>
+            </a:endParaRPr>
+          </a:p>
+        </p:txBody>
+      </p:sp>
+      <p:sp>
+        <p:nvSpPr>
+          <p:cNvPr id="2" name="矩形 1"/>
+          <p:cNvSpPr/>
+          <p:nvPr/>
+        </p:nvSpPr>
+        <p:spPr>
+          <a:xfrm>
+            <a:off x="3618865" y="1192530"/>
+            <a:ext cx="8547100" cy="5626100"/>
+          </a:xfrm>
+          <a:prstGeom prst="rect">
+            <a:avLst/>
+          </a:prstGeom>
+          <a:solidFill>
+            <a:schemeClr val="bg1"/>
+          </a:solidFill>
+          <a:ln w="38100"/>
+        </p:spPr>
+        <p:style>
+          <a:lnRef idx="2">
+            <a:schemeClr val="accent1">
+              <a:shade val="50000"/>
+            </a:schemeClr>
+          </a:lnRef>
+          <a:fillRef idx="1">
+            <a:schemeClr val="accent1"/>
+          </a:fillRef>
+          <a:effectRef idx="0">
+            <a:schemeClr val="accent1"/>
+          </a:effectRef>
+          <a:fontRef idx="minor">
+            <a:schemeClr val="lt1"/>
+          </a:fontRef>
+        </p:style>
+        <p:txBody>
+          <a:bodyPr rtlCol="0" anchor="ctr"/>
+          <a:p>
+            <a:pPr algn="ctr"/>
+            <a:endParaRPr lang="zh-CN" altLang="en-US"/>
+          </a:p>
+        </p:txBody>
+      </p:sp>
+      <p:sp>
+        <p:nvSpPr>
+          <p:cNvPr id="3" name="矩形 2"/>
+          <p:cNvSpPr/>
+          <p:nvPr/>
+        </p:nvSpPr>
+        <p:spPr>
+          <a:xfrm>
+            <a:off x="3806825" y="2030730"/>
+            <a:ext cx="2590800" cy="4584700"/>
+          </a:xfrm>
+          <a:prstGeom prst="rect">
+            <a:avLst/>
+          </a:prstGeom>
+          <a:noFill/>
+          <a:ln w="31750"/>
+        </p:spPr>
+        <p:style>
+          <a:lnRef idx="2">
+            <a:schemeClr val="accent1">
+              <a:shade val="50000"/>
+            </a:schemeClr>
+          </a:lnRef>
+          <a:fillRef idx="1">
+            <a:schemeClr val="accent1"/>
+          </a:fillRef>
+          <a:effectRef idx="0">
+            <a:schemeClr val="accent1"/>
+          </a:effectRef>
+          <a:fontRef idx="minor">
+            <a:schemeClr val="lt1"/>
+          </a:fontRef>
+        </p:style>
+        <p:txBody>
+          <a:bodyPr rtlCol="0" anchor="ctr"/>
+          <a:p>
+            <a:pPr algn="ctr"/>
+            <a:endParaRPr lang="zh-CN" altLang="en-US"/>
+          </a:p>
+        </p:txBody>
+      </p:sp>
+      <p:sp>
+        <p:nvSpPr>
+          <p:cNvPr id="4" name="矩形 3"/>
+          <p:cNvSpPr/>
+          <p:nvPr/>
+        </p:nvSpPr>
+        <p:spPr>
+          <a:xfrm>
+            <a:off x="6597650" y="2030730"/>
+            <a:ext cx="5384165" cy="4584700"/>
+          </a:xfrm>
+          <a:prstGeom prst="rect">
+            <a:avLst/>
+          </a:prstGeom>
+          <a:noFill/>
+          <a:ln w="31750"/>
+        </p:spPr>
+        <p:style>
+          <a:lnRef idx="2">
+            <a:schemeClr val="accent1">
+              <a:shade val="50000"/>
+            </a:schemeClr>
+          </a:lnRef>
+          <a:fillRef idx="1">
+            <a:schemeClr val="accent1"/>
+          </a:fillRef>
+          <a:effectRef idx="0">
+            <a:schemeClr val="accent1"/>
+          </a:effectRef>
+          <a:fontRef idx="minor">
+            <a:schemeClr val="lt1"/>
+          </a:fontRef>
+        </p:style>
+        <p:txBody>
+          <a:bodyPr rtlCol="0" anchor="ctr"/>
+          <a:p>
+            <a:pPr algn="ctr"/>
+            <a:endParaRPr lang="zh-CN" altLang="en-US"/>
+          </a:p>
+        </p:txBody>
+      </p:sp>
+      <p:sp>
+        <p:nvSpPr>
+          <p:cNvPr id="7" name="矩形 6"/>
+          <p:cNvSpPr/>
+          <p:nvPr/>
+        </p:nvSpPr>
+        <p:spPr>
+          <a:xfrm flipV="1">
+            <a:off x="3620135" y="1191895"/>
+            <a:ext cx="8545830" cy="674370"/>
+          </a:xfrm>
+          <a:prstGeom prst="rect">
+            <a:avLst/>
+          </a:prstGeom>
+          <a:noFill/>
+          <a:ln w="31750"/>
+        </p:spPr>
+        <p:style>
+          <a:lnRef idx="2">
+            <a:schemeClr val="accent1">
+              <a:shade val="50000"/>
+            </a:schemeClr>
+          </a:lnRef>
+          <a:fillRef idx="1">
+            <a:schemeClr val="accent1"/>
+          </a:fillRef>
+          <a:effectRef idx="0">
+            <a:schemeClr val="accent1"/>
+          </a:effectRef>
+          <a:fontRef idx="minor">
+            <a:schemeClr val="lt1"/>
+          </a:fontRef>
+        </p:style>
+        <p:txBody>
+          <a:bodyPr rtlCol="0" anchor="ctr"/>
+          <a:p>
+            <a:pPr algn="ctr"/>
+            <a:endParaRPr lang="zh-CN" altLang="en-US"/>
+          </a:p>
+        </p:txBody>
+      </p:sp>
+      <p:sp>
+        <p:nvSpPr>
+          <p:cNvPr id="9" name="矩形 8"/>
+          <p:cNvSpPr/>
+          <p:nvPr/>
+        </p:nvSpPr>
+        <p:spPr>
+          <a:xfrm>
+            <a:off x="6753225" y="2183130"/>
+            <a:ext cx="5066665" cy="890270"/>
+          </a:xfrm>
+          <a:prstGeom prst="rect">
+            <a:avLst/>
+          </a:prstGeom>
+          <a:noFill/>
+          <a:ln w="31750"/>
+        </p:spPr>
+        <p:style>
+          <a:lnRef idx="2">
+            <a:schemeClr val="accent1">
+              <a:shade val="50000"/>
+            </a:schemeClr>
+          </a:lnRef>
+          <a:fillRef idx="1">
+            <a:schemeClr val="accent1"/>
+          </a:fillRef>
+          <a:effectRef idx="0">
+            <a:schemeClr val="accent1"/>
+          </a:effectRef>
+          <a:fontRef idx="minor">
+            <a:schemeClr val="lt1"/>
+          </a:fontRef>
+        </p:style>
+        <p:txBody>
+          <a:bodyPr rtlCol="0" anchor="ctr"/>
+          <a:p>
+            <a:pPr algn="ctr"/>
+            <a:endParaRPr lang="zh-CN" altLang="en-US"/>
+          </a:p>
+        </p:txBody>
+      </p:sp>
+      <p:sp>
+        <p:nvSpPr>
+          <p:cNvPr id="14" name="矩形 13"/>
+          <p:cNvSpPr/>
+          <p:nvPr/>
+        </p:nvSpPr>
+        <p:spPr>
+          <a:xfrm>
+            <a:off x="6753225" y="3446780"/>
+            <a:ext cx="5066665" cy="1195705"/>
+          </a:xfrm>
+          <a:prstGeom prst="rect">
+            <a:avLst/>
+          </a:prstGeom>
+          <a:noFill/>
+          <a:ln w="31750"/>
+        </p:spPr>
+        <p:style>
+          <a:lnRef idx="2">
+            <a:schemeClr val="accent1">
+              <a:shade val="50000"/>
+            </a:schemeClr>
+          </a:lnRef>
+          <a:fillRef idx="1">
+            <a:schemeClr val="accent1"/>
+          </a:fillRef>
+          <a:effectRef idx="0">
+            <a:schemeClr val="accent1"/>
+          </a:effectRef>
+          <a:fontRef idx="minor">
+            <a:schemeClr val="lt1"/>
+          </a:fontRef>
+        </p:style>
+        <p:txBody>
+          <a:bodyPr rtlCol="0" anchor="ctr"/>
+          <a:p>
+            <a:pPr algn="ctr"/>
+            <a:endParaRPr lang="zh-CN" altLang="en-US"/>
+          </a:p>
+        </p:txBody>
+      </p:sp>
+      <p:sp>
+        <p:nvSpPr>
+          <p:cNvPr id="21" name="文本框 20"/>
+          <p:cNvSpPr txBox="1"/>
+          <p:nvPr/>
+        </p:nvSpPr>
+        <p:spPr>
+          <a:xfrm>
+            <a:off x="4098925" y="2348230"/>
+            <a:ext cx="1489075" cy="368300"/>
+          </a:xfrm>
+          <a:prstGeom prst="rect">
+            <a:avLst/>
+          </a:prstGeom>
+          <a:noFill/>
+        </p:spPr>
+        <p:txBody>
+          <a:bodyPr wrap="none" rtlCol="0">
+            <a:spAutoFit/>
+          </a:bodyPr>
+          <a:p>
+            <a:r>
+              <a:rPr lang="en-US" altLang="zh-CN" b="1"/>
+              <a:t>Interface Tree</a:t>
+            </a:r>
+            <a:endParaRPr lang="en-US" altLang="zh-CN" b="1"/>
+          </a:p>
+        </p:txBody>
+      </p:sp>
+      <p:sp>
+        <p:nvSpPr>
+          <p:cNvPr id="5" name="矩形 4"/>
+          <p:cNvSpPr/>
+          <p:nvPr/>
+        </p:nvSpPr>
+        <p:spPr>
+          <a:xfrm>
+            <a:off x="6756400" y="4894580"/>
+            <a:ext cx="5066665" cy="1195705"/>
+          </a:xfrm>
+          <a:prstGeom prst="rect">
+            <a:avLst/>
+          </a:prstGeom>
+          <a:noFill/>
+          <a:ln w="31750"/>
+        </p:spPr>
+        <p:style>
+          <a:lnRef idx="2">
+            <a:schemeClr val="accent1">
+              <a:shade val="50000"/>
+            </a:schemeClr>
+          </a:lnRef>
+          <a:fillRef idx="1">
+            <a:schemeClr val="accent1"/>
+          </a:fillRef>
+          <a:effectRef idx="0">
+            <a:schemeClr val="accent1"/>
+          </a:effectRef>
+          <a:fontRef idx="minor">
+            <a:schemeClr val="lt1"/>
+          </a:fontRef>
+        </p:style>
+        <p:txBody>
+          <a:bodyPr rtlCol="0" anchor="ctr"/>
+          <a:p>
+            <a:pPr algn="ctr"/>
+            <a:endParaRPr lang="zh-CN" altLang="en-US"/>
+          </a:p>
+        </p:txBody>
+      </p:sp>
+      <p:sp>
+        <p:nvSpPr>
+          <p:cNvPr id="6" name="文本框 5"/>
+          <p:cNvSpPr txBox="1"/>
+          <p:nvPr/>
+        </p:nvSpPr>
+        <p:spPr>
+          <a:xfrm>
+            <a:off x="8467090" y="2444115"/>
+            <a:ext cx="1638935" cy="368300"/>
+          </a:xfrm>
+          <a:prstGeom prst="rect">
+            <a:avLst/>
+          </a:prstGeom>
+          <a:noFill/>
+        </p:spPr>
+        <p:txBody>
+          <a:bodyPr wrap="none" rtlCol="0">
+            <a:spAutoFit/>
+          </a:bodyPr>
+          <a:p>
+            <a:r>
+              <a:rPr lang="en-US" altLang="zh-CN" b="1"/>
+              <a:t>Interface Detail</a:t>
+            </a:r>
+            <a:endParaRPr lang="en-US" altLang="zh-CN" b="1"/>
+          </a:p>
+        </p:txBody>
+      </p:sp>
+      <p:sp>
+        <p:nvSpPr>
+          <p:cNvPr id="8" name="文本框 7"/>
+          <p:cNvSpPr txBox="1"/>
+          <p:nvPr/>
+        </p:nvSpPr>
+        <p:spPr>
+          <a:xfrm>
+            <a:off x="8470265" y="3821430"/>
+            <a:ext cx="1657985" cy="368300"/>
+          </a:xfrm>
+          <a:prstGeom prst="rect">
+            <a:avLst/>
+          </a:prstGeom>
+          <a:noFill/>
+        </p:spPr>
+        <p:txBody>
+          <a:bodyPr wrap="none" rtlCol="0">
+            <a:spAutoFit/>
+          </a:bodyPr>
+          <a:p>
+            <a:r>
+              <a:rPr lang="en-US" altLang="zh-CN" b="1"/>
+              <a:t>request records</a:t>
+            </a:r>
+            <a:endParaRPr lang="en-US" altLang="zh-CN" b="1"/>
+          </a:p>
+        </p:txBody>
+      </p:sp>
+      <p:sp>
+        <p:nvSpPr>
+          <p:cNvPr id="10" name="文本框 9"/>
+          <p:cNvSpPr txBox="1"/>
+          <p:nvPr/>
+        </p:nvSpPr>
+        <p:spPr>
+          <a:xfrm>
+            <a:off x="8470265" y="5307965"/>
+            <a:ext cx="1796415" cy="368300"/>
+          </a:xfrm>
+          <a:prstGeom prst="rect">
+            <a:avLst/>
+          </a:prstGeom>
+          <a:noFill/>
+        </p:spPr>
+        <p:txBody>
+          <a:bodyPr wrap="none" rtlCol="0">
+            <a:spAutoFit/>
+          </a:bodyPr>
+          <a:p>
+            <a:r>
+              <a:rPr lang="en-US" altLang="zh-CN" b="1"/>
+              <a:t>response records</a:t>
+            </a:r>
+            <a:endParaRPr lang="en-US" altLang="zh-CN" b="1"/>
+          </a:p>
+        </p:txBody>
+      </p:sp>
+    </p:spTree>
+  </p:cSld>
+  <p:clrMapOvr>
+    <a:masterClrMapping/>
+  </p:clrMapOvr>
+</p:sld>
+</file>
+
+<file path=ppt/slides/slide13.xml><?xml version="1.0" encoding="utf-8"?>
+<p:sld xmlns:a="http://schemas.openxmlformats.org/drawingml/2006/main" xmlns:r="http://schemas.openxmlformats.org/officeDocument/2006/relationships" xmlns:p="http://schemas.openxmlformats.org/presentationml/2006/main">
+  <p:cSld>
+    <p:spTree>
+      <p:nvGrpSpPr>
+        <p:cNvPr id="1" name=""/>
+        <p:cNvGrpSpPr/>
+        <p:nvPr/>
+      </p:nvGrpSpPr>
+      <p:grpSpPr/>
+      <p:sp>
+        <p:nvSpPr>
+          <p:cNvPr id="11" name="文本框 10"/>
+          <p:cNvSpPr txBox="1"/>
+          <p:nvPr/>
+        </p:nvSpPr>
+        <p:spPr>
+          <a:xfrm>
+            <a:off x="8890" y="6350"/>
+            <a:ext cx="6091555" cy="922020"/>
+          </a:xfrm>
+          <a:prstGeom prst="rect">
+            <a:avLst/>
+          </a:prstGeom>
+          <a:noFill/>
+        </p:spPr>
+        <p:txBody>
+          <a:bodyPr wrap="none" rtlCol="0">
+            <a:spAutoFit/>
+          </a:bodyPr>
+          <a:p>
+            <a:r>
+              <a:rPr lang="en-US" altLang="zh-CN" sz="5400">
+                <a:latin typeface="Comic Sans MS" panose="030F0702030302020204" charset="0"/>
+              </a:rPr>
+              <a:t>RequestShow Page</a:t>
+            </a:r>
+            <a:endParaRPr lang="en-US" altLang="zh-CN" sz="5400">
+              <a:latin typeface="Comic Sans MS" panose="030F0702030302020204" charset="0"/>
+            </a:endParaRPr>
+          </a:p>
+        </p:txBody>
+      </p:sp>
+      <p:sp>
+        <p:nvSpPr>
+          <p:cNvPr id="2" name="矩形 1"/>
+          <p:cNvSpPr/>
+          <p:nvPr/>
+        </p:nvSpPr>
+        <p:spPr>
+          <a:xfrm>
+            <a:off x="3618865" y="1192530"/>
+            <a:ext cx="8547100" cy="5626100"/>
+          </a:xfrm>
+          <a:prstGeom prst="rect">
+            <a:avLst/>
+          </a:prstGeom>
+          <a:solidFill>
+            <a:schemeClr val="bg1"/>
+          </a:solidFill>
+          <a:ln w="38100"/>
+        </p:spPr>
+        <p:style>
+          <a:lnRef idx="2">
+            <a:schemeClr val="accent1">
+              <a:shade val="50000"/>
+            </a:schemeClr>
+          </a:lnRef>
+          <a:fillRef idx="1">
+            <a:schemeClr val="accent1"/>
+          </a:fillRef>
+          <a:effectRef idx="0">
+            <a:schemeClr val="accent1"/>
+          </a:effectRef>
+          <a:fontRef idx="minor">
+            <a:schemeClr val="lt1"/>
+          </a:fontRef>
+        </p:style>
+        <p:txBody>
+          <a:bodyPr rtlCol="0" anchor="ctr"/>
+          <a:p>
+            <a:pPr algn="ctr"/>
+            <a:endParaRPr lang="zh-CN" altLang="en-US"/>
+          </a:p>
+        </p:txBody>
+      </p:sp>
+      <p:sp>
+        <p:nvSpPr>
+          <p:cNvPr id="3" name="矩形 2"/>
+          <p:cNvSpPr/>
+          <p:nvPr/>
+        </p:nvSpPr>
+        <p:spPr>
+          <a:xfrm>
+            <a:off x="3806825" y="2030730"/>
+            <a:ext cx="2590800" cy="4584700"/>
+          </a:xfrm>
+          <a:prstGeom prst="rect">
+            <a:avLst/>
+          </a:prstGeom>
+          <a:noFill/>
+          <a:ln w="31750"/>
+        </p:spPr>
+        <p:style>
+          <a:lnRef idx="2">
+            <a:schemeClr val="accent1">
+              <a:shade val="50000"/>
+            </a:schemeClr>
+          </a:lnRef>
+          <a:fillRef idx="1">
+            <a:schemeClr val="accent1"/>
+          </a:fillRef>
+          <a:effectRef idx="0">
+            <a:schemeClr val="accent1"/>
+          </a:effectRef>
+          <a:fontRef idx="minor">
+            <a:schemeClr val="lt1"/>
+          </a:fontRef>
+        </p:style>
+        <p:txBody>
+          <a:bodyPr rtlCol="0" anchor="ctr"/>
+          <a:p>
+            <a:pPr algn="ctr"/>
+            <a:endParaRPr lang="zh-CN" altLang="en-US"/>
+          </a:p>
+        </p:txBody>
+      </p:sp>
+      <p:sp>
+        <p:nvSpPr>
+          <p:cNvPr id="4" name="矩形 3"/>
+          <p:cNvSpPr/>
+          <p:nvPr/>
+        </p:nvSpPr>
+        <p:spPr>
+          <a:xfrm>
+            <a:off x="6597650" y="2030730"/>
+            <a:ext cx="5384165" cy="4584700"/>
+          </a:xfrm>
+          <a:prstGeom prst="rect">
+            <a:avLst/>
+          </a:prstGeom>
+          <a:noFill/>
+          <a:ln w="31750"/>
+        </p:spPr>
+        <p:style>
+          <a:lnRef idx="2">
+            <a:schemeClr val="accent1">
+              <a:shade val="50000"/>
+            </a:schemeClr>
+          </a:lnRef>
+          <a:fillRef idx="1">
+            <a:schemeClr val="accent1"/>
+          </a:fillRef>
+          <a:effectRef idx="0">
+            <a:schemeClr val="accent1"/>
+          </a:effectRef>
+          <a:fontRef idx="minor">
+            <a:schemeClr val="lt1"/>
+          </a:fontRef>
+        </p:style>
+        <p:txBody>
+          <a:bodyPr rtlCol="0" anchor="ctr"/>
+          <a:p>
+            <a:pPr algn="ctr"/>
+            <a:endParaRPr lang="zh-CN" altLang="en-US"/>
+          </a:p>
+        </p:txBody>
+      </p:sp>
+      <p:sp>
+        <p:nvSpPr>
+          <p:cNvPr id="7" name="矩形 6"/>
+          <p:cNvSpPr/>
+          <p:nvPr/>
+        </p:nvSpPr>
+        <p:spPr>
+          <a:xfrm flipV="1">
+            <a:off x="3620135" y="1191895"/>
+            <a:ext cx="8545830" cy="674370"/>
+          </a:xfrm>
+          <a:prstGeom prst="rect">
+            <a:avLst/>
+          </a:prstGeom>
+          <a:noFill/>
+          <a:ln w="31750"/>
+        </p:spPr>
+        <p:style>
+          <a:lnRef idx="2">
+            <a:schemeClr val="accent1">
+              <a:shade val="50000"/>
+            </a:schemeClr>
+          </a:lnRef>
+          <a:fillRef idx="1">
+            <a:schemeClr val="accent1"/>
+          </a:fillRef>
+          <a:effectRef idx="0">
+            <a:schemeClr val="accent1"/>
+          </a:effectRef>
+          <a:fontRef idx="minor">
+            <a:schemeClr val="lt1"/>
+          </a:fontRef>
+        </p:style>
+        <p:txBody>
+          <a:bodyPr rtlCol="0" anchor="ctr"/>
+          <a:p>
+            <a:pPr algn="ctr"/>
+            <a:endParaRPr lang="zh-CN" altLang="en-US"/>
+          </a:p>
+        </p:txBody>
+      </p:sp>
+      <p:sp>
+        <p:nvSpPr>
+          <p:cNvPr id="21" name="文本框 20"/>
+          <p:cNvSpPr txBox="1"/>
+          <p:nvPr/>
+        </p:nvSpPr>
+        <p:spPr>
+          <a:xfrm>
+            <a:off x="4098925" y="2348230"/>
+            <a:ext cx="1489075" cy="368300"/>
+          </a:xfrm>
+          <a:prstGeom prst="rect">
+            <a:avLst/>
+          </a:prstGeom>
+          <a:noFill/>
+        </p:spPr>
+        <p:txBody>
+          <a:bodyPr wrap="none" rtlCol="0">
+            <a:spAutoFit/>
+          </a:bodyPr>
+          <a:p>
+            <a:r>
+              <a:rPr lang="en-US" altLang="zh-CN" b="1"/>
+              <a:t>Interface Tree</a:t>
+            </a:r>
+            <a:endParaRPr lang="en-US" altLang="zh-CN" b="1"/>
+          </a:p>
+        </p:txBody>
+      </p:sp>
+      <p:sp>
+        <p:nvSpPr>
+          <p:cNvPr id="6" name="文本框 5"/>
+          <p:cNvSpPr txBox="1"/>
+          <p:nvPr/>
+        </p:nvSpPr>
+        <p:spPr>
+          <a:xfrm>
+            <a:off x="8470265" y="3244850"/>
+            <a:ext cx="1489710" cy="368300"/>
+          </a:xfrm>
+          <a:prstGeom prst="rect">
+            <a:avLst/>
+          </a:prstGeom>
+          <a:noFill/>
+        </p:spPr>
+        <p:txBody>
+          <a:bodyPr wrap="none" rtlCol="0">
+            <a:spAutoFit/>
+          </a:bodyPr>
+          <a:p>
+            <a:r>
+              <a:rPr lang="en-US" altLang="zh-CN" b="1"/>
+              <a:t>Params Detail</a:t>
+            </a:r>
+            <a:endParaRPr lang="en-US" altLang="zh-CN" b="1"/>
+          </a:p>
+        </p:txBody>
+      </p:sp>
+    </p:spTree>
+  </p:cSld>
+  <p:clrMapOvr>
+    <a:masterClrMapping/>
+  </p:clrMapOvr>
+</p:sld>
+</file>
+
+<file path=ppt/slides/slide14.xml><?xml version="1.0" encoding="utf-8"?>
 <p:sld xmlns:a="http://schemas.openxmlformats.org/drawingml/2006/main" xmlns:r="http://schemas.openxmlformats.org/officeDocument/2006/relationships" xmlns:p="http://schemas.openxmlformats.org/presentationml/2006/main">
   <p:cSld>
     <p:spTree>
@@ -3788,6 +5073,363 @@
       <p:grpSpPr/>
       <p:grpSp>
         <p:nvGrpSpPr>
+          <p:cNvPr id="5" name="组合 4"/>
+          <p:cNvGrpSpPr/>
+          <p:nvPr/>
+        </p:nvGrpSpPr>
+        <p:grpSpPr>
+          <a:xfrm>
+            <a:off x="-9525" y="2709545"/>
+            <a:ext cx="4918710" cy="4141470"/>
+            <a:chOff x="3876" y="2230"/>
+            <a:chExt cx="7746" cy="6522"/>
+          </a:xfrm>
+        </p:grpSpPr>
+        <p:sp>
+          <p:nvSpPr>
+            <p:cNvPr id="3" name="矩形 2"/>
+            <p:cNvSpPr/>
+            <p:nvPr/>
+          </p:nvSpPr>
+          <p:spPr>
+            <a:xfrm>
+              <a:off x="3876" y="2230"/>
+              <a:ext cx="4013" cy="6522"/>
+            </a:xfrm>
+            <a:prstGeom prst="rect">
+              <a:avLst/>
+            </a:prstGeom>
+            <a:solidFill>
+              <a:schemeClr val="tx1"/>
+            </a:solidFill>
+          </p:spPr>
+          <p:style>
+            <a:lnRef idx="2">
+              <a:schemeClr val="accent1">
+                <a:shade val="50000"/>
+              </a:schemeClr>
+            </a:lnRef>
+            <a:fillRef idx="1">
+              <a:schemeClr val="accent1"/>
+            </a:fillRef>
+            <a:effectRef idx="0">
+              <a:schemeClr val="accent1"/>
+            </a:effectRef>
+            <a:fontRef idx="minor">
+              <a:schemeClr val="lt1"/>
+            </a:fontRef>
+          </p:style>
+          <p:txBody>
+            <a:bodyPr rtlCol="0" anchor="ctr"/>
+            <a:p>
+              <a:pPr algn="ctr"/>
+              <a:endParaRPr lang="zh-CN" altLang="en-US"/>
+            </a:p>
+          </p:txBody>
+        </p:sp>
+        <p:sp>
+          <p:nvSpPr>
+            <p:cNvPr id="2" name="文本框 1"/>
+            <p:cNvSpPr txBox="1"/>
+            <p:nvPr/>
+          </p:nvSpPr>
+          <p:spPr>
+            <a:xfrm>
+              <a:off x="5992" y="3963"/>
+              <a:ext cx="5631" cy="3488"/>
+            </a:xfrm>
+            <a:prstGeom prst="rect">
+              <a:avLst/>
+            </a:prstGeom>
+            <a:noFill/>
+          </p:spPr>
+          <p:txBody>
+            <a:bodyPr wrap="square" rtlCol="0">
+              <a:spAutoFit/>
+            </a:bodyPr>
+            <a:p>
+              <a:r>
+                <a:rPr lang="en-US" altLang="zh-CN" sz="13800">
+                  <a:solidFill>
+                    <a:schemeClr val="bg1"/>
+                  </a:solidFill>
+                  <a:uFillTx/>
+                  <a:latin typeface="Aharoni" panose="02010803020104030203" charset="0"/>
+                  <a:ea typeface="方正隶变_GBK" panose="02000000000000000000" charset="-122"/>
+                </a:rPr>
+                <a:t>R</a:t>
+              </a:r>
+              <a:r>
+                <a:rPr lang="en-US" altLang="zh-CN" sz="13800">
+                  <a:solidFill>
+                    <a:schemeClr val="tx1"/>
+                  </a:solidFill>
+                  <a:uFillTx/>
+                  <a:latin typeface="Aharoni" panose="02010803020104030203" charset="0"/>
+                  <a:ea typeface="方正隶变_GBK" panose="02000000000000000000" charset="-122"/>
+                </a:rPr>
+                <a:t>AP</a:t>
+              </a:r>
+              <a:endParaRPr lang="en-US" altLang="zh-CN" sz="13800">
+                <a:solidFill>
+                  <a:schemeClr val="tx1"/>
+                </a:solidFill>
+                <a:uFillTx/>
+                <a:latin typeface="Aharoni" panose="02010803020104030203" charset="0"/>
+                <a:ea typeface="方正隶变_GBK" panose="02000000000000000000" charset="-122"/>
+              </a:endParaRPr>
+            </a:p>
+          </p:txBody>
+        </p:sp>
+      </p:grpSp>
+    </p:spTree>
+  </p:cSld>
+  <p:clrMapOvr>
+    <a:masterClrMapping/>
+  </p:clrMapOvr>
+</p:sld>
+</file>
+
+<file path=ppt/slides/slide3.xml><?xml version="1.0" encoding="utf-8"?>
+<p:sld xmlns:a="http://schemas.openxmlformats.org/drawingml/2006/main" xmlns:r="http://schemas.openxmlformats.org/officeDocument/2006/relationships" xmlns:p="http://schemas.openxmlformats.org/presentationml/2006/main">
+  <p:cSld>
+    <p:spTree>
+      <p:nvGrpSpPr>
+        <p:cNvPr id="1" name=""/>
+        <p:cNvGrpSpPr/>
+        <p:nvPr/>
+      </p:nvGrpSpPr>
+      <p:grpSpPr/>
+      <p:sp>
+        <p:nvSpPr>
+          <p:cNvPr id="3" name="矩形 2"/>
+          <p:cNvSpPr/>
+          <p:nvPr/>
+        </p:nvSpPr>
+        <p:spPr>
+          <a:xfrm>
+            <a:off x="-635" y="-12700"/>
+            <a:ext cx="3822065" cy="6863080"/>
+          </a:xfrm>
+          <a:prstGeom prst="rect">
+            <a:avLst/>
+          </a:prstGeom>
+          <a:solidFill>
+            <a:schemeClr val="tx1"/>
+          </a:solidFill>
+        </p:spPr>
+        <p:style>
+          <a:lnRef idx="2">
+            <a:schemeClr val="accent1">
+              <a:shade val="50000"/>
+            </a:schemeClr>
+          </a:lnRef>
+          <a:fillRef idx="1">
+            <a:schemeClr val="accent1"/>
+          </a:fillRef>
+          <a:effectRef idx="0">
+            <a:schemeClr val="accent1"/>
+          </a:effectRef>
+          <a:fontRef idx="minor">
+            <a:schemeClr val="lt1"/>
+          </a:fontRef>
+        </p:style>
+        <p:txBody>
+          <a:bodyPr rtlCol="0" anchor="ctr"/>
+          <a:p>
+            <a:pPr algn="ctr"/>
+            <a:endParaRPr lang="zh-CN" altLang="en-US"/>
+          </a:p>
+        </p:txBody>
+      </p:sp>
+      <p:sp>
+        <p:nvSpPr>
+          <p:cNvPr id="2" name="文本框 1"/>
+          <p:cNvSpPr txBox="1"/>
+          <p:nvPr/>
+        </p:nvSpPr>
+        <p:spPr>
+          <a:xfrm>
+            <a:off x="180340" y="3145155"/>
+            <a:ext cx="9782175" cy="5384800"/>
+          </a:xfrm>
+          <a:prstGeom prst="rect">
+            <a:avLst/>
+          </a:prstGeom>
+          <a:noFill/>
+        </p:spPr>
+        <p:txBody>
+          <a:bodyPr wrap="square" rtlCol="0">
+            <a:spAutoFit/>
+          </a:bodyPr>
+          <a:p>
+            <a:r>
+              <a:rPr lang="en-US" altLang="zh-CN" sz="34400">
+                <a:solidFill>
+                  <a:schemeClr val="bg1"/>
+                </a:solidFill>
+                <a:uFillTx/>
+                <a:latin typeface="Aharoni" panose="02010803020104030203" charset="0"/>
+                <a:ea typeface="方正隶变_GBK" panose="02000000000000000000" charset="-122"/>
+              </a:rPr>
+              <a:t>R</a:t>
+            </a:r>
+            <a:r>
+              <a:rPr lang="en-US" altLang="zh-CN" sz="34400">
+                <a:solidFill>
+                  <a:schemeClr val="tx1"/>
+                </a:solidFill>
+                <a:uFillTx/>
+                <a:latin typeface="Aharoni" panose="02010803020104030203" charset="0"/>
+                <a:ea typeface="方正隶变_GBK" panose="02000000000000000000" charset="-122"/>
+              </a:rPr>
+              <a:t>AP</a:t>
+            </a:r>
+            <a:endParaRPr lang="en-US" altLang="zh-CN" sz="34400">
+              <a:solidFill>
+                <a:schemeClr val="tx1"/>
+              </a:solidFill>
+              <a:uFillTx/>
+              <a:latin typeface="Aharoni" panose="02010803020104030203" charset="0"/>
+              <a:ea typeface="方正隶变_GBK" panose="02000000000000000000" charset="-122"/>
+            </a:endParaRPr>
+          </a:p>
+        </p:txBody>
+      </p:sp>
+    </p:spTree>
+  </p:cSld>
+  <p:clrMapOvr>
+    <a:masterClrMapping/>
+  </p:clrMapOvr>
+</p:sld>
+</file>
+
+<file path=ppt/slides/slide4.xml><?xml version="1.0" encoding="utf-8"?>
+<p:sld xmlns:a="http://schemas.openxmlformats.org/drawingml/2006/main" xmlns:r="http://schemas.openxmlformats.org/officeDocument/2006/relationships" xmlns:p="http://schemas.openxmlformats.org/presentationml/2006/main">
+  <p:cSld>
+    <p:spTree>
+      <p:nvGrpSpPr>
+        <p:cNvPr id="1" name=""/>
+        <p:cNvGrpSpPr/>
+        <p:nvPr/>
+      </p:nvGrpSpPr>
+      <p:grpSpPr/>
+      <p:sp>
+        <p:nvSpPr>
+          <p:cNvPr id="3" name="矩形 2"/>
+          <p:cNvSpPr/>
+          <p:nvPr/>
+        </p:nvSpPr>
+        <p:spPr>
+          <a:xfrm>
+            <a:off x="-635" y="-12700"/>
+            <a:ext cx="6012815" cy="6863080"/>
+          </a:xfrm>
+          <a:prstGeom prst="rect">
+            <a:avLst/>
+          </a:prstGeom>
+          <a:solidFill>
+            <a:schemeClr val="tx1"/>
+          </a:solidFill>
+        </p:spPr>
+        <p:style>
+          <a:lnRef idx="2">
+            <a:schemeClr val="accent1">
+              <a:shade val="50000"/>
+            </a:schemeClr>
+          </a:lnRef>
+          <a:fillRef idx="1">
+            <a:schemeClr val="accent1"/>
+          </a:fillRef>
+          <a:effectRef idx="0">
+            <a:schemeClr val="accent1"/>
+          </a:effectRef>
+          <a:fontRef idx="minor">
+            <a:schemeClr val="lt1"/>
+          </a:fontRef>
+        </p:style>
+        <p:txBody>
+          <a:bodyPr rtlCol="0" anchor="ctr"/>
+          <a:p>
+            <a:pPr algn="ctr"/>
+            <a:endParaRPr lang="zh-CN" altLang="en-US"/>
+          </a:p>
+        </p:txBody>
+      </p:sp>
+      <p:sp>
+        <p:nvSpPr>
+          <p:cNvPr id="5" name="文本框 4"/>
+          <p:cNvSpPr txBox="1"/>
+          <p:nvPr/>
+        </p:nvSpPr>
+        <p:spPr>
+          <a:xfrm>
+            <a:off x="3503295" y="2321560"/>
+            <a:ext cx="6680835" cy="2214880"/>
+          </a:xfrm>
+          <a:prstGeom prst="rect">
+            <a:avLst/>
+          </a:prstGeom>
+          <a:noFill/>
+        </p:spPr>
+        <p:txBody>
+          <a:bodyPr wrap="none" rtlCol="0">
+            <a:spAutoFit/>
+          </a:bodyPr>
+          <a:p>
+            <a:r>
+              <a:rPr lang="en-US" altLang="zh-CN" sz="13800">
+                <a:solidFill>
+                  <a:schemeClr val="bg1"/>
+                </a:solidFill>
+                <a:uFillTx/>
+                <a:latin typeface="Segoe Print" panose="02000600000000000000" charset="0"/>
+                <a:ea typeface="方正隶变_GBK" panose="02000000000000000000" charset="-122"/>
+              </a:rPr>
+              <a:t>Hi</a:t>
+            </a:r>
+            <a:r>
+              <a:rPr lang="en-US" altLang="zh-CN" sz="13800">
+                <a:solidFill>
+                  <a:schemeClr val="tx1"/>
+                </a:solidFill>
+                <a:uFillTx/>
+                <a:latin typeface="Segoe Print" panose="02000600000000000000" charset="0"/>
+                <a:ea typeface="方正隶变_GBK" panose="02000000000000000000" charset="-122"/>
+              </a:rPr>
+              <a:t> RAP</a:t>
+            </a:r>
+            <a:endParaRPr lang="en-US" altLang="zh-CN" sz="13800">
+              <a:solidFill>
+                <a:schemeClr val="tx1"/>
+              </a:solidFill>
+              <a:uFillTx/>
+              <a:latin typeface="Segoe Print" panose="02000600000000000000" charset="0"/>
+              <a:ea typeface="方正隶变_GBK" panose="02000000000000000000" charset="-122"/>
+            </a:endParaRPr>
+          </a:p>
+        </p:txBody>
+      </p:sp>
+    </p:spTree>
+  </p:cSld>
+  <p:clrMapOvr>
+    <a:masterClrMapping/>
+  </p:clrMapOvr>
+</p:sld>
+</file>
+
+<file path=ppt/slides/slide5.xml><?xml version="1.0" encoding="utf-8"?>
+<p:sld xmlns:a="http://schemas.openxmlformats.org/drawingml/2006/main" xmlns:r="http://schemas.openxmlformats.org/officeDocument/2006/relationships" xmlns:p="http://schemas.openxmlformats.org/presentationml/2006/main">
+  <p:cSld>
+    <p:spTree>
+      <p:nvGrpSpPr>
+        <p:cNvPr id="1" name=""/>
+        <p:cNvGrpSpPr/>
+        <p:nvPr/>
+      </p:nvGrpSpPr>
+      <p:grpSpPr/>
+      <p:grpSp>
+        <p:nvGrpSpPr>
           <p:cNvPr id="4" name="组合 3"/>
           <p:cNvGrpSpPr/>
           <p:nvPr/>
@@ -3927,7 +5569,7 @@
 </p:sld>
 </file>
 
-<file path=ppt/slides/slide3.xml><?xml version="1.0" encoding="utf-8"?>
+<file path=ppt/slides/slide6.xml><?xml version="1.0" encoding="utf-8"?>
 <p:sld xmlns:a="http://schemas.openxmlformats.org/drawingml/2006/main" xmlns:r="http://schemas.openxmlformats.org/officeDocument/2006/relationships" xmlns:p="http://schemas.openxmlformats.org/presentationml/2006/main">
   <p:cSld>
     <p:spTree>
@@ -4120,7 +5762,7 @@
         </p:nvGrpSpPr>
         <p:grpSpPr>
           <a:xfrm>
-            <a:off x="5560060" y="122555"/>
+            <a:off x="4178300" y="54610"/>
             <a:ext cx="7865110" cy="1612900"/>
             <a:chOff x="2675" y="3522"/>
             <a:chExt cx="12386" cy="2540"/>
@@ -4313,7 +5955,7 @@
 </p:sld>
 </file>
 
-<file path=ppt/slides/slide4.xml><?xml version="1.0" encoding="utf-8"?>
+<file path=ppt/slides/slide7.xml><?xml version="1.0" encoding="utf-8"?>
 <p:sld xmlns:a="http://schemas.openxmlformats.org/drawingml/2006/main" xmlns:r="http://schemas.openxmlformats.org/officeDocument/2006/relationships" xmlns:p="http://schemas.openxmlformats.org/presentationml/2006/main">
   <p:cSld>
     <p:spTree>
@@ -4397,7 +6039,7 @@
 </p:sld>
 </file>
 
-<file path=ppt/slides/slide5.xml><?xml version="1.0" encoding="utf-8"?>
+<file path=ppt/slides/slide8.xml><?xml version="1.0" encoding="utf-8"?>
 <p:sld xmlns:a="http://schemas.openxmlformats.org/drawingml/2006/main" xmlns:r="http://schemas.openxmlformats.org/officeDocument/2006/relationships" xmlns:p="http://schemas.openxmlformats.org/presentationml/2006/main">
   <p:cSld>
     <p:bg>
@@ -4614,7 +6256,7 @@
 </p:sld>
 </file>
 
-<file path=ppt/slides/slide6.xml><?xml version="1.0" encoding="utf-8"?>
+<file path=ppt/slides/slide9.xml><?xml version="1.0" encoding="utf-8"?>
 <p:sld xmlns:a="http://schemas.openxmlformats.org/drawingml/2006/main" xmlns:r="http://schemas.openxmlformats.org/officeDocument/2006/relationships" xmlns:p="http://schemas.openxmlformats.org/presentationml/2006/main">
   <p:cSld>
     <p:bg>
@@ -4805,1288 +6447,6 @@
               <a:latin typeface="Mangal" panose="02040503050203030202" charset="0"/>
               <a:ea typeface="方正隶变_GBK" panose="02000000000000000000" charset="-122"/>
             </a:endParaRPr>
-          </a:p>
-        </p:txBody>
-      </p:sp>
-    </p:spTree>
-  </p:cSld>
-  <p:clrMapOvr>
-    <a:masterClrMapping/>
-  </p:clrMapOvr>
-</p:sld>
-</file>
-
-<file path=ppt/slides/slide7.xml><?xml version="1.0" encoding="utf-8"?>
-<p:sld xmlns:a="http://schemas.openxmlformats.org/drawingml/2006/main" xmlns:r="http://schemas.openxmlformats.org/officeDocument/2006/relationships" xmlns:p="http://schemas.openxmlformats.org/presentationml/2006/main">
-  <p:cSld>
-    <p:spTree>
-      <p:nvGrpSpPr>
-        <p:cNvPr id="1" name=""/>
-        <p:cNvGrpSpPr/>
-        <p:nvPr/>
-      </p:nvGrpSpPr>
-      <p:grpSpPr/>
-      <p:grpSp>
-        <p:nvGrpSpPr>
-          <p:cNvPr id="4" name="组合 3"/>
-          <p:cNvGrpSpPr/>
-          <p:nvPr/>
-        </p:nvGrpSpPr>
-        <p:grpSpPr>
-          <a:xfrm>
-            <a:off x="2538095" y="980440"/>
-            <a:ext cx="9596120" cy="5839460"/>
-            <a:chOff x="2054" y="600"/>
-            <a:chExt cx="15840" cy="9900"/>
-          </a:xfrm>
-        </p:grpSpPr>
-        <p:pic>
-          <p:nvPicPr>
-            <p:cNvPr id="3" name="图片 2" descr="404"/>
-            <p:cNvPicPr>
-              <a:picLocks noChangeAspect="1"/>
-            </p:cNvPicPr>
-            <p:nvPr/>
-          </p:nvPicPr>
-          <p:blipFill>
-            <a:blip r:embed="rId1"/>
-            <a:stretch>
-              <a:fillRect/>
-            </a:stretch>
-          </p:blipFill>
-          <p:spPr>
-            <a:xfrm>
-              <a:off x="2054" y="600"/>
-              <a:ext cx="15840" cy="9900"/>
-            </a:xfrm>
-            <a:prstGeom prst="rect">
-              <a:avLst/>
-            </a:prstGeom>
-          </p:spPr>
-        </p:pic>
-        <p:sp>
-          <p:nvSpPr>
-            <p:cNvPr id="5" name="文本框 4"/>
-            <p:cNvSpPr txBox="1"/>
-            <p:nvPr/>
-          </p:nvSpPr>
-          <p:spPr>
-            <a:xfrm>
-              <a:off x="3140" y="1336"/>
-              <a:ext cx="6321" cy="3155"/>
-            </a:xfrm>
-            <a:prstGeom prst="rect">
-              <a:avLst/>
-            </a:prstGeom>
-            <a:noFill/>
-          </p:spPr>
-          <p:txBody>
-            <a:bodyPr wrap="square" rtlCol="0">
-              <a:spAutoFit/>
-            </a:bodyPr>
-            <a:p>
-              <a:r>
-                <a:rPr lang="en-US" altLang="zh-CN" sz="11500" b="1">
-                  <a:solidFill>
-                    <a:schemeClr val="tx1">
-                      <a:lumMod val="65000"/>
-                      <a:lumOff val="35000"/>
-                    </a:schemeClr>
-                  </a:solidFill>
-                  <a:uFillTx/>
-                  <a:latin typeface="Segoe Print" panose="02000600000000000000" charset="0"/>
-                  <a:ea typeface="方正隶变_GBK" panose="02000000000000000000" charset="-122"/>
-                </a:rPr>
-                <a:t>404</a:t>
-              </a:r>
-              <a:endParaRPr lang="en-US" altLang="zh-CN" sz="11500" b="1">
-                <a:solidFill>
-                  <a:schemeClr val="tx1">
-                    <a:lumMod val="65000"/>
-                    <a:lumOff val="35000"/>
-                  </a:schemeClr>
-                </a:solidFill>
-                <a:uFillTx/>
-                <a:latin typeface="Segoe Print" panose="02000600000000000000" charset="0"/>
-                <a:ea typeface="方正隶变_GBK" panose="02000000000000000000" charset="-122"/>
-              </a:endParaRPr>
-            </a:p>
-          </p:txBody>
-        </p:sp>
-      </p:grpSp>
-      <p:sp>
-        <p:nvSpPr>
-          <p:cNvPr id="11" name="文本框 10"/>
-          <p:cNvSpPr txBox="1"/>
-          <p:nvPr/>
-        </p:nvSpPr>
-        <p:spPr>
-          <a:xfrm>
-            <a:off x="377190" y="400050"/>
-            <a:ext cx="3091180" cy="922020"/>
-          </a:xfrm>
-          <a:prstGeom prst="rect">
-            <a:avLst/>
-          </a:prstGeom>
-          <a:noFill/>
-        </p:spPr>
-        <p:txBody>
-          <a:bodyPr wrap="none" rtlCol="0">
-            <a:spAutoFit/>
-          </a:bodyPr>
-          <a:p>
-            <a:r>
-              <a:rPr lang="en-US" altLang="zh-CN" sz="5400">
-                <a:latin typeface="Comic Sans MS" panose="030F0702030302020204" charset="0"/>
-              </a:rPr>
-              <a:t>404 Page</a:t>
-            </a:r>
-            <a:endParaRPr lang="en-US" altLang="zh-CN" sz="5400">
-              <a:latin typeface="Comic Sans MS" panose="030F0702030302020204" charset="0"/>
-            </a:endParaRPr>
-          </a:p>
-        </p:txBody>
-      </p:sp>
-    </p:spTree>
-  </p:cSld>
-  <p:clrMapOvr>
-    <a:masterClrMapping/>
-  </p:clrMapOvr>
-</p:sld>
-</file>
-
-<file path=ppt/slides/slide8.xml><?xml version="1.0" encoding="utf-8"?>
-<p:sld xmlns:a="http://schemas.openxmlformats.org/drawingml/2006/main" xmlns:r="http://schemas.openxmlformats.org/officeDocument/2006/relationships" xmlns:p="http://schemas.openxmlformats.org/presentationml/2006/main">
-  <p:cSld>
-    <p:spTree>
-      <p:nvGrpSpPr>
-        <p:cNvPr id="1" name=""/>
-        <p:cNvGrpSpPr/>
-        <p:nvPr/>
-      </p:nvGrpSpPr>
-      <p:grpSpPr/>
-      <p:sp>
-        <p:nvSpPr>
-          <p:cNvPr id="11" name="文本框 10"/>
-          <p:cNvSpPr txBox="1"/>
-          <p:nvPr/>
-        </p:nvSpPr>
-        <p:spPr>
-          <a:xfrm>
-            <a:off x="8890" y="6350"/>
-            <a:ext cx="4211320" cy="922020"/>
-          </a:xfrm>
-          <a:prstGeom prst="rect">
-            <a:avLst/>
-          </a:prstGeom>
-          <a:noFill/>
-        </p:spPr>
-        <p:txBody>
-          <a:bodyPr wrap="none" rtlCol="0">
-            <a:spAutoFit/>
-          </a:bodyPr>
-          <a:p>
-            <a:r>
-              <a:rPr lang="en-US" altLang="zh-CN" sz="5400">
-                <a:latin typeface="Comic Sans MS" panose="030F0702030302020204" charset="0"/>
-              </a:rPr>
-              <a:t>Project Page</a:t>
-            </a:r>
-            <a:endParaRPr lang="en-US" altLang="zh-CN" sz="5400">
-              <a:latin typeface="Comic Sans MS" panose="030F0702030302020204" charset="0"/>
-            </a:endParaRPr>
-          </a:p>
-        </p:txBody>
-      </p:sp>
-      <p:sp>
-        <p:nvSpPr>
-          <p:cNvPr id="2" name="矩形 1"/>
-          <p:cNvSpPr/>
-          <p:nvPr/>
-        </p:nvSpPr>
-        <p:spPr>
-          <a:xfrm>
-            <a:off x="3619500" y="1192530"/>
-            <a:ext cx="8547100" cy="5626100"/>
-          </a:xfrm>
-          <a:prstGeom prst="rect">
-            <a:avLst/>
-          </a:prstGeom>
-          <a:solidFill>
-            <a:schemeClr val="bg1"/>
-          </a:solidFill>
-          <a:ln w="38100"/>
-        </p:spPr>
-        <p:style>
-          <a:lnRef idx="2">
-            <a:schemeClr val="accent1">
-              <a:shade val="50000"/>
-            </a:schemeClr>
-          </a:lnRef>
-          <a:fillRef idx="1">
-            <a:schemeClr val="accent1"/>
-          </a:fillRef>
-          <a:effectRef idx="0">
-            <a:schemeClr val="accent1"/>
-          </a:effectRef>
-          <a:fontRef idx="minor">
-            <a:schemeClr val="lt1"/>
-          </a:fontRef>
-        </p:style>
-        <p:txBody>
-          <a:bodyPr rtlCol="0" anchor="ctr"/>
-          <a:p>
-            <a:pPr algn="ctr"/>
-            <a:endParaRPr lang="zh-CN" altLang="en-US"/>
-          </a:p>
-        </p:txBody>
-      </p:sp>
-      <p:sp>
-        <p:nvSpPr>
-          <p:cNvPr id="3" name="矩形 2"/>
-          <p:cNvSpPr/>
-          <p:nvPr/>
-        </p:nvSpPr>
-        <p:spPr>
-          <a:xfrm>
-            <a:off x="3806825" y="2030730"/>
-            <a:ext cx="2590800" cy="4584700"/>
-          </a:xfrm>
-          <a:prstGeom prst="rect">
-            <a:avLst/>
-          </a:prstGeom>
-          <a:noFill/>
-          <a:ln w="31750"/>
-        </p:spPr>
-        <p:style>
-          <a:lnRef idx="2">
-            <a:schemeClr val="accent1">
-              <a:shade val="50000"/>
-            </a:schemeClr>
-          </a:lnRef>
-          <a:fillRef idx="1">
-            <a:schemeClr val="accent1"/>
-          </a:fillRef>
-          <a:effectRef idx="0">
-            <a:schemeClr val="accent1"/>
-          </a:effectRef>
-          <a:fontRef idx="minor">
-            <a:schemeClr val="lt1"/>
-          </a:fontRef>
-        </p:style>
-        <p:txBody>
-          <a:bodyPr rtlCol="0" anchor="ctr"/>
-          <a:p>
-            <a:pPr algn="ctr"/>
-            <a:endParaRPr lang="zh-CN" altLang="en-US"/>
-          </a:p>
-        </p:txBody>
-      </p:sp>
-      <p:sp>
-        <p:nvSpPr>
-          <p:cNvPr id="4" name="矩形 3"/>
-          <p:cNvSpPr/>
-          <p:nvPr/>
-        </p:nvSpPr>
-        <p:spPr>
-          <a:xfrm>
-            <a:off x="6597650" y="2030730"/>
-            <a:ext cx="5384165" cy="4584700"/>
-          </a:xfrm>
-          <a:prstGeom prst="rect">
-            <a:avLst/>
-          </a:prstGeom>
-          <a:noFill/>
-          <a:ln w="31750"/>
-        </p:spPr>
-        <p:style>
-          <a:lnRef idx="2">
-            <a:schemeClr val="accent1">
-              <a:shade val="50000"/>
-            </a:schemeClr>
-          </a:lnRef>
-          <a:fillRef idx="1">
-            <a:schemeClr val="accent1"/>
-          </a:fillRef>
-          <a:effectRef idx="0">
-            <a:schemeClr val="accent1"/>
-          </a:effectRef>
-          <a:fontRef idx="minor">
-            <a:schemeClr val="lt1"/>
-          </a:fontRef>
-        </p:style>
-        <p:txBody>
-          <a:bodyPr rtlCol="0" anchor="ctr"/>
-          <a:p>
-            <a:pPr algn="ctr"/>
-            <a:endParaRPr lang="zh-CN" altLang="en-US"/>
-          </a:p>
-        </p:txBody>
-      </p:sp>
-      <p:sp>
-        <p:nvSpPr>
-          <p:cNvPr id="7" name="矩形 6"/>
-          <p:cNvSpPr/>
-          <p:nvPr/>
-        </p:nvSpPr>
-        <p:spPr>
-          <a:xfrm flipV="1">
-            <a:off x="3620135" y="1191895"/>
-            <a:ext cx="8545830" cy="674370"/>
-          </a:xfrm>
-          <a:prstGeom prst="rect">
-            <a:avLst/>
-          </a:prstGeom>
-          <a:noFill/>
-          <a:ln w="31750"/>
-        </p:spPr>
-        <p:style>
-          <a:lnRef idx="2">
-            <a:schemeClr val="accent1">
-              <a:shade val="50000"/>
-            </a:schemeClr>
-          </a:lnRef>
-          <a:fillRef idx="1">
-            <a:schemeClr val="accent1"/>
-          </a:fillRef>
-          <a:effectRef idx="0">
-            <a:schemeClr val="accent1"/>
-          </a:effectRef>
-          <a:fontRef idx="minor">
-            <a:schemeClr val="lt1"/>
-          </a:fontRef>
-        </p:style>
-        <p:txBody>
-          <a:bodyPr rtlCol="0" anchor="ctr"/>
-          <a:p>
-            <a:pPr algn="ctr"/>
-            <a:endParaRPr lang="zh-CN" altLang="en-US"/>
-          </a:p>
-        </p:txBody>
-      </p:sp>
-      <p:sp>
-        <p:nvSpPr>
-          <p:cNvPr id="9" name="矩形 8"/>
-          <p:cNvSpPr/>
-          <p:nvPr/>
-        </p:nvSpPr>
-        <p:spPr>
-          <a:xfrm>
-            <a:off x="6753225" y="2183130"/>
-            <a:ext cx="1536700" cy="1118235"/>
-          </a:xfrm>
-          <a:prstGeom prst="rect">
-            <a:avLst/>
-          </a:prstGeom>
-          <a:noFill/>
-          <a:ln w="31750"/>
-        </p:spPr>
-        <p:style>
-          <a:lnRef idx="2">
-            <a:schemeClr val="accent1">
-              <a:shade val="50000"/>
-            </a:schemeClr>
-          </a:lnRef>
-          <a:fillRef idx="1">
-            <a:schemeClr val="accent1"/>
-          </a:fillRef>
-          <a:effectRef idx="0">
-            <a:schemeClr val="accent1"/>
-          </a:effectRef>
-          <a:fontRef idx="minor">
-            <a:schemeClr val="lt1"/>
-          </a:fontRef>
-        </p:style>
-        <p:txBody>
-          <a:bodyPr rtlCol="0" anchor="ctr"/>
-          <a:p>
-            <a:pPr algn="ctr"/>
-            <a:endParaRPr lang="zh-CN" altLang="en-US"/>
-          </a:p>
-        </p:txBody>
-      </p:sp>
-      <p:sp>
-        <p:nvSpPr>
-          <p:cNvPr id="13" name="矩形 12"/>
-          <p:cNvSpPr/>
-          <p:nvPr/>
-        </p:nvSpPr>
-        <p:spPr>
-          <a:xfrm>
-            <a:off x="8521065" y="2183130"/>
-            <a:ext cx="1536700" cy="1118235"/>
-          </a:xfrm>
-          <a:prstGeom prst="rect">
-            <a:avLst/>
-          </a:prstGeom>
-          <a:noFill/>
-          <a:ln w="31750"/>
-        </p:spPr>
-        <p:style>
-          <a:lnRef idx="2">
-            <a:schemeClr val="accent1">
-              <a:shade val="50000"/>
-            </a:schemeClr>
-          </a:lnRef>
-          <a:fillRef idx="1">
-            <a:schemeClr val="accent1"/>
-          </a:fillRef>
-          <a:effectRef idx="0">
-            <a:schemeClr val="accent1"/>
-          </a:effectRef>
-          <a:fontRef idx="minor">
-            <a:schemeClr val="lt1"/>
-          </a:fontRef>
-        </p:style>
-        <p:txBody>
-          <a:bodyPr rtlCol="0" anchor="ctr"/>
-          <a:p>
-            <a:pPr algn="ctr"/>
-            <a:endParaRPr lang="zh-CN" altLang="en-US"/>
-          </a:p>
-        </p:txBody>
-      </p:sp>
-      <p:sp>
-        <p:nvSpPr>
-          <p:cNvPr id="14" name="矩形 13"/>
-          <p:cNvSpPr/>
-          <p:nvPr/>
-        </p:nvSpPr>
-        <p:spPr>
-          <a:xfrm>
-            <a:off x="10286365" y="2183130"/>
-            <a:ext cx="1536700" cy="1118235"/>
-          </a:xfrm>
-          <a:prstGeom prst="rect">
-            <a:avLst/>
-          </a:prstGeom>
-          <a:noFill/>
-          <a:ln w="31750"/>
-        </p:spPr>
-        <p:style>
-          <a:lnRef idx="2">
-            <a:schemeClr val="accent1">
-              <a:shade val="50000"/>
-            </a:schemeClr>
-          </a:lnRef>
-          <a:fillRef idx="1">
-            <a:schemeClr val="accent1"/>
-          </a:fillRef>
-          <a:effectRef idx="0">
-            <a:schemeClr val="accent1"/>
-          </a:effectRef>
-          <a:fontRef idx="minor">
-            <a:schemeClr val="lt1"/>
-          </a:fontRef>
-        </p:style>
-        <p:txBody>
-          <a:bodyPr rtlCol="0" anchor="ctr"/>
-          <a:p>
-            <a:pPr algn="ctr"/>
-            <a:endParaRPr lang="zh-CN" altLang="en-US"/>
-          </a:p>
-        </p:txBody>
-      </p:sp>
-      <p:sp>
-        <p:nvSpPr>
-          <p:cNvPr id="15" name="矩形 14"/>
-          <p:cNvSpPr/>
-          <p:nvPr/>
-        </p:nvSpPr>
-        <p:spPr>
-          <a:xfrm>
-            <a:off x="6753225" y="3446780"/>
-            <a:ext cx="1536700" cy="1118235"/>
-          </a:xfrm>
-          <a:prstGeom prst="rect">
-            <a:avLst/>
-          </a:prstGeom>
-          <a:noFill/>
-          <a:ln w="31750"/>
-        </p:spPr>
-        <p:style>
-          <a:lnRef idx="2">
-            <a:schemeClr val="accent1">
-              <a:shade val="50000"/>
-            </a:schemeClr>
-          </a:lnRef>
-          <a:fillRef idx="1">
-            <a:schemeClr val="accent1"/>
-          </a:fillRef>
-          <a:effectRef idx="0">
-            <a:schemeClr val="accent1"/>
-          </a:effectRef>
-          <a:fontRef idx="minor">
-            <a:schemeClr val="lt1"/>
-          </a:fontRef>
-        </p:style>
-        <p:txBody>
-          <a:bodyPr rtlCol="0" anchor="ctr"/>
-          <a:p>
-            <a:pPr algn="ctr"/>
-            <a:endParaRPr lang="zh-CN" altLang="en-US"/>
-          </a:p>
-        </p:txBody>
-      </p:sp>
-      <p:sp>
-        <p:nvSpPr>
-          <p:cNvPr id="16" name="矩形 15"/>
-          <p:cNvSpPr/>
-          <p:nvPr/>
-        </p:nvSpPr>
-        <p:spPr>
-          <a:xfrm>
-            <a:off x="8521700" y="3446145"/>
-            <a:ext cx="1536700" cy="1118235"/>
-          </a:xfrm>
-          <a:prstGeom prst="rect">
-            <a:avLst/>
-          </a:prstGeom>
-          <a:noFill/>
-          <a:ln w="31750"/>
-        </p:spPr>
-        <p:style>
-          <a:lnRef idx="2">
-            <a:schemeClr val="accent1">
-              <a:shade val="50000"/>
-            </a:schemeClr>
-          </a:lnRef>
-          <a:fillRef idx="1">
-            <a:schemeClr val="accent1"/>
-          </a:fillRef>
-          <a:effectRef idx="0">
-            <a:schemeClr val="accent1"/>
-          </a:effectRef>
-          <a:fontRef idx="minor">
-            <a:schemeClr val="lt1"/>
-          </a:fontRef>
-        </p:style>
-        <p:txBody>
-          <a:bodyPr rtlCol="0" anchor="ctr"/>
-          <a:p>
-            <a:pPr algn="ctr"/>
-            <a:endParaRPr lang="zh-CN" altLang="en-US"/>
-          </a:p>
-        </p:txBody>
-      </p:sp>
-      <p:sp>
-        <p:nvSpPr>
-          <p:cNvPr id="17" name="矩形 16"/>
-          <p:cNvSpPr/>
-          <p:nvPr/>
-        </p:nvSpPr>
-        <p:spPr>
-          <a:xfrm>
-            <a:off x="10286365" y="3446145"/>
-            <a:ext cx="1536700" cy="1118235"/>
-          </a:xfrm>
-          <a:prstGeom prst="rect">
-            <a:avLst/>
-          </a:prstGeom>
-          <a:noFill/>
-          <a:ln w="31750"/>
-        </p:spPr>
-        <p:style>
-          <a:lnRef idx="2">
-            <a:schemeClr val="accent1">
-              <a:shade val="50000"/>
-            </a:schemeClr>
-          </a:lnRef>
-          <a:fillRef idx="1">
-            <a:schemeClr val="accent1"/>
-          </a:fillRef>
-          <a:effectRef idx="0">
-            <a:schemeClr val="accent1"/>
-          </a:effectRef>
-          <a:fontRef idx="minor">
-            <a:schemeClr val="lt1"/>
-          </a:fontRef>
-        </p:style>
-        <p:txBody>
-          <a:bodyPr rtlCol="0" anchor="ctr"/>
-          <a:p>
-            <a:pPr algn="ctr"/>
-            <a:endParaRPr lang="zh-CN" altLang="en-US"/>
-          </a:p>
-        </p:txBody>
-      </p:sp>
-      <p:sp>
-        <p:nvSpPr>
-          <p:cNvPr id="18" name="矩形 17"/>
-          <p:cNvSpPr/>
-          <p:nvPr/>
-        </p:nvSpPr>
-        <p:spPr>
-          <a:xfrm>
-            <a:off x="6753225" y="4792345"/>
-            <a:ext cx="1536700" cy="1118235"/>
-          </a:xfrm>
-          <a:prstGeom prst="rect">
-            <a:avLst/>
-          </a:prstGeom>
-          <a:noFill/>
-          <a:ln w="31750"/>
-        </p:spPr>
-        <p:style>
-          <a:lnRef idx="2">
-            <a:schemeClr val="accent1">
-              <a:shade val="50000"/>
-            </a:schemeClr>
-          </a:lnRef>
-          <a:fillRef idx="1">
-            <a:schemeClr val="accent1"/>
-          </a:fillRef>
-          <a:effectRef idx="0">
-            <a:schemeClr val="accent1"/>
-          </a:effectRef>
-          <a:fontRef idx="minor">
-            <a:schemeClr val="lt1"/>
-          </a:fontRef>
-        </p:style>
-        <p:txBody>
-          <a:bodyPr rtlCol="0" anchor="ctr"/>
-          <a:p>
-            <a:pPr algn="ctr"/>
-            <a:endParaRPr lang="zh-CN" altLang="en-US"/>
-          </a:p>
-        </p:txBody>
-      </p:sp>
-      <p:pic>
-        <p:nvPicPr>
-          <p:cNvPr id="19" name="图片 18"/>
-          <p:cNvPicPr>
-            <a:picLocks noChangeAspect="1"/>
-          </p:cNvPicPr>
-          <p:nvPr/>
-        </p:nvPicPr>
-        <p:blipFill>
-          <a:blip r:embed="rId1"/>
-          <a:stretch>
-            <a:fillRect/>
-          </a:stretch>
-        </p:blipFill>
-        <p:spPr>
-          <a:xfrm>
-            <a:off x="7254875" y="5085080"/>
-            <a:ext cx="533400" cy="533400"/>
-          </a:xfrm>
-          <a:prstGeom prst="rect">
-            <a:avLst/>
-          </a:prstGeom>
-        </p:spPr>
-      </p:pic>
-      <p:sp>
-        <p:nvSpPr>
-          <p:cNvPr id="20" name="文本框 19"/>
-          <p:cNvSpPr txBox="1"/>
-          <p:nvPr/>
-        </p:nvSpPr>
-        <p:spPr>
-          <a:xfrm>
-            <a:off x="3984625" y="2640330"/>
-            <a:ext cx="1418590" cy="368300"/>
-          </a:xfrm>
-          <a:prstGeom prst="rect">
-            <a:avLst/>
-          </a:prstGeom>
-          <a:noFill/>
-        </p:spPr>
-        <p:txBody>
-          <a:bodyPr wrap="none" rtlCol="0">
-            <a:spAutoFit/>
-          </a:bodyPr>
-          <a:p>
-            <a:r>
-              <a:rPr lang="en-US" altLang="zh-CN" b="1"/>
-              <a:t>· My Projects</a:t>
-            </a:r>
-            <a:endParaRPr lang="en-US" altLang="zh-CN" b="1"/>
-          </a:p>
-        </p:txBody>
-      </p:sp>
-      <p:sp>
-        <p:nvSpPr>
-          <p:cNvPr id="21" name="文本框 20"/>
-          <p:cNvSpPr txBox="1"/>
-          <p:nvPr/>
-        </p:nvSpPr>
-        <p:spPr>
-          <a:xfrm>
-            <a:off x="3984625" y="3008630"/>
-            <a:ext cx="1820545" cy="368300"/>
-          </a:xfrm>
-          <a:prstGeom prst="rect">
-            <a:avLst/>
-          </a:prstGeom>
-          <a:noFill/>
-        </p:spPr>
-        <p:txBody>
-          <a:bodyPr wrap="none" rtlCol="0">
-            <a:spAutoFit/>
-          </a:bodyPr>
-          <a:p>
-            <a:pPr algn="l"/>
-            <a:r>
-              <a:rPr lang="en-US" altLang="zh-CN" b="1">
-                <a:sym typeface="+mn-ea"/>
-              </a:rPr>
-              <a:t>· </a:t>
-            </a:r>
-            <a:r>
-              <a:rPr lang="en-US" altLang="zh-CN" b="1"/>
-              <a:t>All Projects Tree</a:t>
-            </a:r>
-            <a:endParaRPr lang="en-US" altLang="zh-CN" b="1"/>
-          </a:p>
-        </p:txBody>
-      </p:sp>
-      <p:sp>
-        <p:nvSpPr>
-          <p:cNvPr id="22" name="圆角矩形 21"/>
-          <p:cNvSpPr/>
-          <p:nvPr/>
-        </p:nvSpPr>
-        <p:spPr>
-          <a:xfrm>
-            <a:off x="3959225" y="2322830"/>
-            <a:ext cx="1217295" cy="317500"/>
-          </a:xfrm>
-          <a:prstGeom prst="roundRect">
-            <a:avLst/>
-          </a:prstGeom>
-          <a:noFill/>
-          <a:ln w="34925"/>
-        </p:spPr>
-        <p:style>
-          <a:lnRef idx="2">
-            <a:schemeClr val="accent1">
-              <a:shade val="50000"/>
-            </a:schemeClr>
-          </a:lnRef>
-          <a:fillRef idx="1">
-            <a:schemeClr val="accent1"/>
-          </a:fillRef>
-          <a:effectRef idx="0">
-            <a:schemeClr val="accent1"/>
-          </a:effectRef>
-          <a:fontRef idx="minor">
-            <a:schemeClr val="lt1"/>
-          </a:fontRef>
-        </p:style>
-        <p:txBody>
-          <a:bodyPr rtlCol="0" anchor="ctr"/>
-          <a:p>
-            <a:pPr algn="ctr"/>
-            <a:endParaRPr lang="zh-CN" altLang="en-US"/>
-          </a:p>
-        </p:txBody>
-      </p:sp>
-      <p:sp>
-        <p:nvSpPr>
-          <p:cNvPr id="23" name="圆角矩形 22"/>
-          <p:cNvSpPr/>
-          <p:nvPr/>
-        </p:nvSpPr>
-        <p:spPr>
-          <a:xfrm>
-            <a:off x="5305425" y="2322830"/>
-            <a:ext cx="928370" cy="317500"/>
-          </a:xfrm>
-          <a:prstGeom prst="roundRect">
-            <a:avLst/>
-          </a:prstGeom>
-          <a:noFill/>
-          <a:ln w="34925"/>
-        </p:spPr>
-        <p:style>
-          <a:lnRef idx="2">
-            <a:schemeClr val="accent1">
-              <a:shade val="50000"/>
-            </a:schemeClr>
-          </a:lnRef>
-          <a:fillRef idx="1">
-            <a:schemeClr val="accent1"/>
-          </a:fillRef>
-          <a:effectRef idx="0">
-            <a:schemeClr val="accent1"/>
-          </a:effectRef>
-          <a:fontRef idx="minor">
-            <a:schemeClr val="lt1"/>
-          </a:fontRef>
-        </p:style>
-        <p:txBody>
-          <a:bodyPr rtlCol="0" anchor="ctr"/>
-          <a:p>
-            <a:pPr algn="ctr"/>
-            <a:r>
-              <a:rPr lang="en-US" altLang="zh-CN" b="1">
-                <a:solidFill>
-                  <a:schemeClr val="tx1"/>
-                </a:solidFill>
-              </a:rPr>
-              <a:t>Search</a:t>
-            </a:r>
-            <a:endParaRPr lang="en-US" altLang="zh-CN" b="1">
-              <a:solidFill>
-                <a:schemeClr val="tx1"/>
-              </a:solidFill>
-            </a:endParaRPr>
-          </a:p>
-        </p:txBody>
-      </p:sp>
-    </p:spTree>
-  </p:cSld>
-  <p:clrMapOvr>
-    <a:masterClrMapping/>
-  </p:clrMapOvr>
-</p:sld>
-</file>
-
-<file path=ppt/slides/slide9.xml><?xml version="1.0" encoding="utf-8"?>
-<p:sld xmlns:a="http://schemas.openxmlformats.org/drawingml/2006/main" xmlns:r="http://schemas.openxmlformats.org/officeDocument/2006/relationships" xmlns:p="http://schemas.openxmlformats.org/presentationml/2006/main">
-  <p:cSld>
-    <p:spTree>
-      <p:nvGrpSpPr>
-        <p:cNvPr id="1" name=""/>
-        <p:cNvGrpSpPr/>
-        <p:nvPr/>
-      </p:nvGrpSpPr>
-      <p:grpSpPr/>
-      <p:sp>
-        <p:nvSpPr>
-          <p:cNvPr id="11" name="文本框 10"/>
-          <p:cNvSpPr txBox="1"/>
-          <p:nvPr/>
-        </p:nvSpPr>
-        <p:spPr>
-          <a:xfrm>
-            <a:off x="8890" y="6350"/>
-            <a:ext cx="5093335" cy="922020"/>
-          </a:xfrm>
-          <a:prstGeom prst="rect">
-            <a:avLst/>
-          </a:prstGeom>
-          <a:noFill/>
-        </p:spPr>
-        <p:txBody>
-          <a:bodyPr wrap="none" rtlCol="0">
-            <a:spAutoFit/>
-          </a:bodyPr>
-          <a:p>
-            <a:r>
-              <a:rPr lang="en-US" altLang="zh-CN" sz="5400">
-                <a:latin typeface="Comic Sans MS" panose="030F0702030302020204" charset="0"/>
-              </a:rPr>
-              <a:t>InterFace Page</a:t>
-            </a:r>
-            <a:endParaRPr lang="en-US" altLang="zh-CN" sz="5400">
-              <a:latin typeface="Comic Sans MS" panose="030F0702030302020204" charset="0"/>
-            </a:endParaRPr>
-          </a:p>
-        </p:txBody>
-      </p:sp>
-      <p:sp>
-        <p:nvSpPr>
-          <p:cNvPr id="2" name="矩形 1"/>
-          <p:cNvSpPr/>
-          <p:nvPr/>
-        </p:nvSpPr>
-        <p:spPr>
-          <a:xfrm>
-            <a:off x="3618865" y="1192530"/>
-            <a:ext cx="8547100" cy="5626100"/>
-          </a:xfrm>
-          <a:prstGeom prst="rect">
-            <a:avLst/>
-          </a:prstGeom>
-          <a:solidFill>
-            <a:schemeClr val="bg1"/>
-          </a:solidFill>
-          <a:ln w="38100"/>
-        </p:spPr>
-        <p:style>
-          <a:lnRef idx="2">
-            <a:schemeClr val="accent1">
-              <a:shade val="50000"/>
-            </a:schemeClr>
-          </a:lnRef>
-          <a:fillRef idx="1">
-            <a:schemeClr val="accent1"/>
-          </a:fillRef>
-          <a:effectRef idx="0">
-            <a:schemeClr val="accent1"/>
-          </a:effectRef>
-          <a:fontRef idx="minor">
-            <a:schemeClr val="lt1"/>
-          </a:fontRef>
-        </p:style>
-        <p:txBody>
-          <a:bodyPr rtlCol="0" anchor="ctr"/>
-          <a:p>
-            <a:pPr algn="ctr"/>
-            <a:endParaRPr lang="zh-CN" altLang="en-US"/>
-          </a:p>
-        </p:txBody>
-      </p:sp>
-      <p:sp>
-        <p:nvSpPr>
-          <p:cNvPr id="3" name="矩形 2"/>
-          <p:cNvSpPr/>
-          <p:nvPr/>
-        </p:nvSpPr>
-        <p:spPr>
-          <a:xfrm>
-            <a:off x="3806825" y="2030730"/>
-            <a:ext cx="2590800" cy="4584700"/>
-          </a:xfrm>
-          <a:prstGeom prst="rect">
-            <a:avLst/>
-          </a:prstGeom>
-          <a:noFill/>
-          <a:ln w="31750"/>
-        </p:spPr>
-        <p:style>
-          <a:lnRef idx="2">
-            <a:schemeClr val="accent1">
-              <a:shade val="50000"/>
-            </a:schemeClr>
-          </a:lnRef>
-          <a:fillRef idx="1">
-            <a:schemeClr val="accent1"/>
-          </a:fillRef>
-          <a:effectRef idx="0">
-            <a:schemeClr val="accent1"/>
-          </a:effectRef>
-          <a:fontRef idx="minor">
-            <a:schemeClr val="lt1"/>
-          </a:fontRef>
-        </p:style>
-        <p:txBody>
-          <a:bodyPr rtlCol="0" anchor="ctr"/>
-          <a:p>
-            <a:pPr algn="ctr"/>
-            <a:endParaRPr lang="zh-CN" altLang="en-US"/>
-          </a:p>
-        </p:txBody>
-      </p:sp>
-      <p:sp>
-        <p:nvSpPr>
-          <p:cNvPr id="4" name="矩形 3"/>
-          <p:cNvSpPr/>
-          <p:nvPr/>
-        </p:nvSpPr>
-        <p:spPr>
-          <a:xfrm>
-            <a:off x="6597650" y="2030730"/>
-            <a:ext cx="5384165" cy="4584700"/>
-          </a:xfrm>
-          <a:prstGeom prst="rect">
-            <a:avLst/>
-          </a:prstGeom>
-          <a:noFill/>
-          <a:ln w="31750"/>
-        </p:spPr>
-        <p:style>
-          <a:lnRef idx="2">
-            <a:schemeClr val="accent1">
-              <a:shade val="50000"/>
-            </a:schemeClr>
-          </a:lnRef>
-          <a:fillRef idx="1">
-            <a:schemeClr val="accent1"/>
-          </a:fillRef>
-          <a:effectRef idx="0">
-            <a:schemeClr val="accent1"/>
-          </a:effectRef>
-          <a:fontRef idx="minor">
-            <a:schemeClr val="lt1"/>
-          </a:fontRef>
-        </p:style>
-        <p:txBody>
-          <a:bodyPr rtlCol="0" anchor="ctr"/>
-          <a:p>
-            <a:pPr algn="ctr"/>
-            <a:endParaRPr lang="zh-CN" altLang="en-US"/>
-          </a:p>
-        </p:txBody>
-      </p:sp>
-      <p:sp>
-        <p:nvSpPr>
-          <p:cNvPr id="7" name="矩形 6"/>
-          <p:cNvSpPr/>
-          <p:nvPr/>
-        </p:nvSpPr>
-        <p:spPr>
-          <a:xfrm flipV="1">
-            <a:off x="3620135" y="1191895"/>
-            <a:ext cx="8545830" cy="674370"/>
-          </a:xfrm>
-          <a:prstGeom prst="rect">
-            <a:avLst/>
-          </a:prstGeom>
-          <a:noFill/>
-          <a:ln w="31750"/>
-        </p:spPr>
-        <p:style>
-          <a:lnRef idx="2">
-            <a:schemeClr val="accent1">
-              <a:shade val="50000"/>
-            </a:schemeClr>
-          </a:lnRef>
-          <a:fillRef idx="1">
-            <a:schemeClr val="accent1"/>
-          </a:fillRef>
-          <a:effectRef idx="0">
-            <a:schemeClr val="accent1"/>
-          </a:effectRef>
-          <a:fontRef idx="minor">
-            <a:schemeClr val="lt1"/>
-          </a:fontRef>
-        </p:style>
-        <p:txBody>
-          <a:bodyPr rtlCol="0" anchor="ctr"/>
-          <a:p>
-            <a:pPr algn="ctr"/>
-            <a:endParaRPr lang="zh-CN" altLang="en-US"/>
-          </a:p>
-        </p:txBody>
-      </p:sp>
-      <p:sp>
-        <p:nvSpPr>
-          <p:cNvPr id="9" name="矩形 8"/>
-          <p:cNvSpPr/>
-          <p:nvPr/>
-        </p:nvSpPr>
-        <p:spPr>
-          <a:xfrm>
-            <a:off x="6753225" y="2183130"/>
-            <a:ext cx="5066665" cy="890270"/>
-          </a:xfrm>
-          <a:prstGeom prst="rect">
-            <a:avLst/>
-          </a:prstGeom>
-          <a:noFill/>
-          <a:ln w="31750"/>
-        </p:spPr>
-        <p:style>
-          <a:lnRef idx="2">
-            <a:schemeClr val="accent1">
-              <a:shade val="50000"/>
-            </a:schemeClr>
-          </a:lnRef>
-          <a:fillRef idx="1">
-            <a:schemeClr val="accent1"/>
-          </a:fillRef>
-          <a:effectRef idx="0">
-            <a:schemeClr val="accent1"/>
-          </a:effectRef>
-          <a:fontRef idx="minor">
-            <a:schemeClr val="lt1"/>
-          </a:fontRef>
-        </p:style>
-        <p:txBody>
-          <a:bodyPr rtlCol="0" anchor="ctr"/>
-          <a:p>
-            <a:pPr algn="ctr"/>
-            <a:endParaRPr lang="zh-CN" altLang="en-US"/>
-          </a:p>
-        </p:txBody>
-      </p:sp>
-      <p:sp>
-        <p:nvSpPr>
-          <p:cNvPr id="14" name="矩形 13"/>
-          <p:cNvSpPr/>
-          <p:nvPr/>
-        </p:nvSpPr>
-        <p:spPr>
-          <a:xfrm>
-            <a:off x="6753225" y="3446780"/>
-            <a:ext cx="5066665" cy="1195705"/>
-          </a:xfrm>
-          <a:prstGeom prst="rect">
-            <a:avLst/>
-          </a:prstGeom>
-          <a:noFill/>
-          <a:ln w="31750"/>
-        </p:spPr>
-        <p:style>
-          <a:lnRef idx="2">
-            <a:schemeClr val="accent1">
-              <a:shade val="50000"/>
-            </a:schemeClr>
-          </a:lnRef>
-          <a:fillRef idx="1">
-            <a:schemeClr val="accent1"/>
-          </a:fillRef>
-          <a:effectRef idx="0">
-            <a:schemeClr val="accent1"/>
-          </a:effectRef>
-          <a:fontRef idx="minor">
-            <a:schemeClr val="lt1"/>
-          </a:fontRef>
-        </p:style>
-        <p:txBody>
-          <a:bodyPr rtlCol="0" anchor="ctr"/>
-          <a:p>
-            <a:pPr algn="ctr"/>
-            <a:endParaRPr lang="zh-CN" altLang="en-US"/>
-          </a:p>
-        </p:txBody>
-      </p:sp>
-      <p:sp>
-        <p:nvSpPr>
-          <p:cNvPr id="21" name="文本框 20"/>
-          <p:cNvSpPr txBox="1"/>
-          <p:nvPr/>
-        </p:nvSpPr>
-        <p:spPr>
-          <a:xfrm>
-            <a:off x="4098925" y="2348230"/>
-            <a:ext cx="1489075" cy="368300"/>
-          </a:xfrm>
-          <a:prstGeom prst="rect">
-            <a:avLst/>
-          </a:prstGeom>
-          <a:noFill/>
-        </p:spPr>
-        <p:txBody>
-          <a:bodyPr wrap="none" rtlCol="0">
-            <a:spAutoFit/>
-          </a:bodyPr>
-          <a:p>
-            <a:r>
-              <a:rPr lang="en-US" altLang="zh-CN" b="1"/>
-              <a:t>Interface Tree</a:t>
-            </a:r>
-            <a:endParaRPr lang="en-US" altLang="zh-CN" b="1"/>
-          </a:p>
-        </p:txBody>
-      </p:sp>
-      <p:sp>
-        <p:nvSpPr>
-          <p:cNvPr id="5" name="矩形 4"/>
-          <p:cNvSpPr/>
-          <p:nvPr/>
-        </p:nvSpPr>
-        <p:spPr>
-          <a:xfrm>
-            <a:off x="6756400" y="4894580"/>
-            <a:ext cx="5066665" cy="1195705"/>
-          </a:xfrm>
-          <a:prstGeom prst="rect">
-            <a:avLst/>
-          </a:prstGeom>
-          <a:noFill/>
-          <a:ln w="31750"/>
-        </p:spPr>
-        <p:style>
-          <a:lnRef idx="2">
-            <a:schemeClr val="accent1">
-              <a:shade val="50000"/>
-            </a:schemeClr>
-          </a:lnRef>
-          <a:fillRef idx="1">
-            <a:schemeClr val="accent1"/>
-          </a:fillRef>
-          <a:effectRef idx="0">
-            <a:schemeClr val="accent1"/>
-          </a:effectRef>
-          <a:fontRef idx="minor">
-            <a:schemeClr val="lt1"/>
-          </a:fontRef>
-        </p:style>
-        <p:txBody>
-          <a:bodyPr rtlCol="0" anchor="ctr"/>
-          <a:p>
-            <a:pPr algn="ctr"/>
-            <a:endParaRPr lang="zh-CN" altLang="en-US"/>
-          </a:p>
-        </p:txBody>
-      </p:sp>
-      <p:sp>
-        <p:nvSpPr>
-          <p:cNvPr id="6" name="文本框 5"/>
-          <p:cNvSpPr txBox="1"/>
-          <p:nvPr/>
-        </p:nvSpPr>
-        <p:spPr>
-          <a:xfrm>
-            <a:off x="8467090" y="2444115"/>
-            <a:ext cx="1638935" cy="368300"/>
-          </a:xfrm>
-          <a:prstGeom prst="rect">
-            <a:avLst/>
-          </a:prstGeom>
-          <a:noFill/>
-        </p:spPr>
-        <p:txBody>
-          <a:bodyPr wrap="none" rtlCol="0">
-            <a:spAutoFit/>
-          </a:bodyPr>
-          <a:p>
-            <a:r>
-              <a:rPr lang="en-US" altLang="zh-CN" b="1"/>
-              <a:t>Interface Detail</a:t>
-            </a:r>
-            <a:endParaRPr lang="en-US" altLang="zh-CN" b="1"/>
-          </a:p>
-        </p:txBody>
-      </p:sp>
-      <p:sp>
-        <p:nvSpPr>
-          <p:cNvPr id="8" name="文本框 7"/>
-          <p:cNvSpPr txBox="1"/>
-          <p:nvPr/>
-        </p:nvSpPr>
-        <p:spPr>
-          <a:xfrm>
-            <a:off x="8470265" y="3821430"/>
-            <a:ext cx="1657985" cy="368300"/>
-          </a:xfrm>
-          <a:prstGeom prst="rect">
-            <a:avLst/>
-          </a:prstGeom>
-          <a:noFill/>
-        </p:spPr>
-        <p:txBody>
-          <a:bodyPr wrap="none" rtlCol="0">
-            <a:spAutoFit/>
-          </a:bodyPr>
-          <a:p>
-            <a:r>
-              <a:rPr lang="en-US" altLang="zh-CN" b="1"/>
-              <a:t>request records</a:t>
-            </a:r>
-            <a:endParaRPr lang="en-US" altLang="zh-CN" b="1"/>
-          </a:p>
-        </p:txBody>
-      </p:sp>
-      <p:sp>
-        <p:nvSpPr>
-          <p:cNvPr id="10" name="文本框 9"/>
-          <p:cNvSpPr txBox="1"/>
-          <p:nvPr/>
-        </p:nvSpPr>
-        <p:spPr>
-          <a:xfrm>
-            <a:off x="8470265" y="5307965"/>
-            <a:ext cx="1796415" cy="368300"/>
-          </a:xfrm>
-          <a:prstGeom prst="rect">
-            <a:avLst/>
-          </a:prstGeom>
-          <a:noFill/>
-        </p:spPr>
-        <p:txBody>
-          <a:bodyPr wrap="none" rtlCol="0">
-            <a:spAutoFit/>
-          </a:bodyPr>
-          <a:p>
-            <a:r>
-              <a:rPr lang="en-US" altLang="zh-CN" b="1"/>
-              <a:t>response records</a:t>
-            </a:r>
-            <a:endParaRPr lang="en-US" altLang="zh-CN" b="1"/>
           </a:p>
         </p:txBody>
       </p:sp>
